--- a/lectures3/gr/Pythonlearn-06-Strings.pptx
+++ b/lectures3/gr/Pythonlearn-06-Strings.pptx
@@ -40,7 +40,7 @@
     <p:sldId id="284" r:id="rId31"/>
     <p:sldId id="289" r:id="rId32"/>
     <p:sldId id="285" r:id="rId33"/>
-    <p:sldId id="320" r:id="rId34"/>
+    <p:sldId id="321" r:id="rId34"/>
   </p:sldIdLst>
   <p:sldSz cx="16256000" cy="9144000"/>
   <p:notesSz cx="6858000" cy="9144000"/>
@@ -6686,6 +6686,18 @@
               <a:buNone/>
             </a:pPr>
             <a:r>
+              <a:rPr lang="el-GR" sz="3600" i="0" u="none" strike="noStrike" cap="none" dirty="0">
+                <a:solidFill>
+                  <a:srgbClr val="FFFF00"/>
+                </a:solidFill>
+                <a:latin typeface="Courier"/>
+                <a:ea typeface="Courier"/>
+                <a:cs typeface="Courier"/>
+                <a:sym typeface="Courier New"/>
+              </a:rPr>
+              <a:t>φρούτο</a:t>
+            </a:r>
+            <a:r>
               <a:rPr lang="en-US" sz="3600" i="0" u="none" strike="noStrike" cap="none" dirty="0">
                 <a:solidFill>
                   <a:srgbClr val="FFFF00"/>
@@ -6695,7 +6707,7 @@
                 <a:cs typeface="Courier"/>
                 <a:sym typeface="Courier New"/>
               </a:rPr>
-              <a:t>fruit = 'banana'</a:t>
+              <a:t> = 'banana'</a:t>
             </a:r>
           </a:p>
           <a:p>
@@ -6741,8 +6753,56 @@
               <a:t> </a:t>
             </a:r>
             <a:r>
+              <a:rPr lang="el-GR" sz="3600" i="0" u="none" strike="noStrike" cap="none" dirty="0">
+                <a:solidFill>
+                  <a:srgbClr val="00FF00"/>
+                </a:solidFill>
+                <a:latin typeface="Courier"/>
+                <a:ea typeface="Courier"/>
+                <a:cs typeface="Courier"/>
+                <a:sym typeface="Courier New"/>
+              </a:rPr>
+              <a:t>γράμμα</a:t>
+            </a:r>
+            <a:r>
               <a:rPr lang="en-US" sz="3600" i="0" u="none" strike="noStrike" cap="none" dirty="0">
                 <a:solidFill>
+                  <a:schemeClr val="lt1"/>
+                </a:solidFill>
+                <a:latin typeface="Courier"/>
+                <a:ea typeface="Courier"/>
+                <a:cs typeface="Courier"/>
+                <a:sym typeface="Courier New"/>
+              </a:rPr>
+              <a:t> </a:t>
+            </a:r>
+            <a:r>
+              <a:rPr lang="en-US" sz="3600" i="0" u="none" strike="noStrike" cap="none" dirty="0">
+                <a:solidFill>
+                  <a:srgbClr val="FFFF00"/>
+                </a:solidFill>
+                <a:latin typeface="Courier"/>
+                <a:ea typeface="Courier"/>
+                <a:cs typeface="Courier"/>
+                <a:sym typeface="Courier New"/>
+              </a:rPr>
+              <a:t>in</a:t>
+            </a:r>
+            <a:r>
+              <a:rPr lang="en-US" sz="3600" i="0" u="none" strike="noStrike" cap="none" dirty="0">
+                <a:solidFill>
+                  <a:schemeClr val="lt1"/>
+                </a:solidFill>
+                <a:latin typeface="Courier"/>
+                <a:ea typeface="Courier"/>
+                <a:cs typeface="Courier"/>
+                <a:sym typeface="Courier New"/>
+              </a:rPr>
+              <a:t> </a:t>
+            </a:r>
+            <a:r>
+              <a:rPr lang="el-GR" sz="3600" i="0" u="none" strike="noStrike" cap="none" dirty="0">
+                <a:solidFill>
                   <a:srgbClr val="00FF00"/>
                 </a:solidFill>
                 <a:latin typeface="Courier"/>
@@ -6750,55 +6810,7 @@
                 <a:cs typeface="Courier"/>
                 <a:sym typeface="Courier New"/>
               </a:rPr>
-              <a:t>letter</a:t>
-            </a:r>
-            <a:r>
-              <a:rPr lang="en-US" sz="3600" i="0" u="none" strike="noStrike" cap="none" dirty="0">
-                <a:solidFill>
-                  <a:schemeClr val="lt1"/>
-                </a:solidFill>
-                <a:latin typeface="Courier"/>
-                <a:ea typeface="Courier"/>
-                <a:cs typeface="Courier"/>
-                <a:sym typeface="Courier New"/>
-              </a:rPr>
-              <a:t> </a:t>
-            </a:r>
-            <a:r>
-              <a:rPr lang="en-US" sz="3600" i="0" u="none" strike="noStrike" cap="none" dirty="0">
-                <a:solidFill>
-                  <a:srgbClr val="FFFF00"/>
-                </a:solidFill>
-                <a:latin typeface="Courier"/>
-                <a:ea typeface="Courier"/>
-                <a:cs typeface="Courier"/>
-                <a:sym typeface="Courier New"/>
-              </a:rPr>
-              <a:t>in</a:t>
-            </a:r>
-            <a:r>
-              <a:rPr lang="en-US" sz="3600" i="0" u="none" strike="noStrike" cap="none" dirty="0">
-                <a:solidFill>
-                  <a:schemeClr val="lt1"/>
-                </a:solidFill>
-                <a:latin typeface="Courier"/>
-                <a:ea typeface="Courier"/>
-                <a:cs typeface="Courier"/>
-                <a:sym typeface="Courier New"/>
-              </a:rPr>
-              <a:t> </a:t>
-            </a:r>
-            <a:r>
-              <a:rPr lang="en-US" sz="3600" i="0" u="none" strike="noStrike" cap="none" dirty="0">
-                <a:solidFill>
-                  <a:srgbClr val="00FF00"/>
-                </a:solidFill>
-                <a:latin typeface="Courier"/>
-                <a:ea typeface="Courier"/>
-                <a:cs typeface="Courier"/>
-                <a:sym typeface="Courier New"/>
-              </a:rPr>
-              <a:t>fruit</a:t>
+              <a:t>φρούτο</a:t>
             </a:r>
             <a:r>
               <a:rPr lang="en-US" sz="3600" i="0" u="none" strike="noStrike" cap="none" dirty="0">
@@ -6868,7 +6880,7 @@
               <a:t>(</a:t>
             </a:r>
             <a:r>
-              <a:rPr lang="en-US" sz="3600" i="0" u="none" strike="noStrike" cap="none" dirty="0">
+              <a:rPr lang="el-GR" sz="3600" i="0" u="none" strike="noStrike" cap="none" dirty="0">
                 <a:solidFill>
                   <a:srgbClr val="00FF00"/>
                 </a:solidFill>
@@ -6877,7 +6889,7 @@
                 <a:cs typeface="Courier"/>
                 <a:sym typeface="Courier New"/>
               </a:rPr>
-              <a:t>letter</a:t>
+              <a:t>γράμμα</a:t>
             </a:r>
             <a:r>
               <a:rPr lang="en-US" sz="3600" i="0" u="none" strike="noStrike" cap="none" dirty="0">
@@ -7187,8 +7199,8 @@
         </p:nvSpPr>
         <p:spPr>
           <a:xfrm>
-            <a:off x="8058071" y="5568950"/>
-            <a:ext cx="5983200" cy="2768700"/>
+            <a:off x="8058070" y="5568950"/>
+            <a:ext cx="6446206" cy="2768700"/>
           </a:xfrm>
           <a:prstGeom prst="rect">
             <a:avLst/>
@@ -7222,7 +7234,7 @@
               <a:buNone/>
             </a:pPr>
             <a:r>
-              <a:rPr lang="en-US" sz="3000" i="0" u="none" strike="noStrike" cap="none" dirty="0">
+              <a:rPr lang="el-GR" sz="3000" i="0" u="none" strike="noStrike" cap="none" dirty="0">
                 <a:solidFill>
                   <a:srgbClr val="00FF00"/>
                 </a:solidFill>
@@ -7231,7 +7243,7 @@
                 <a:cs typeface="Courier"/>
                 <a:sym typeface="Courier New"/>
               </a:rPr>
-              <a:t>index</a:t>
+              <a:t>δείκτης</a:t>
             </a:r>
             <a:r>
               <a:rPr lang="en-US" sz="3000" i="0" u="none" strike="noStrike" cap="none" dirty="0">
@@ -7301,8 +7313,56 @@
               <a:t> </a:t>
             </a:r>
             <a:r>
+              <a:rPr lang="el-GR" sz="3000" i="0" u="none" strike="noStrike" cap="none" dirty="0">
+                <a:solidFill>
+                  <a:srgbClr val="00FF00"/>
+                </a:solidFill>
+                <a:latin typeface="Courier"/>
+                <a:ea typeface="Courier"/>
+                <a:cs typeface="Courier"/>
+                <a:sym typeface="Courier New"/>
+              </a:rPr>
+              <a:t>δείκτης</a:t>
+            </a:r>
+            <a:r>
               <a:rPr lang="en-US" sz="3000" i="0" u="none" strike="noStrike" cap="none" dirty="0">
                 <a:solidFill>
+                  <a:schemeClr val="lt1"/>
+                </a:solidFill>
+                <a:latin typeface="Courier"/>
+                <a:ea typeface="Courier"/>
+                <a:cs typeface="Courier"/>
+                <a:sym typeface="Courier New"/>
+              </a:rPr>
+              <a:t> &lt; </a:t>
+            </a:r>
+            <a:r>
+              <a:rPr lang="en-US" sz="3000" i="0" u="none" strike="noStrike" cap="none" dirty="0" err="1">
+                <a:solidFill>
+                  <a:srgbClr val="FF00FF"/>
+                </a:solidFill>
+                <a:latin typeface="Courier"/>
+                <a:ea typeface="Courier"/>
+                <a:cs typeface="Courier"/>
+                <a:sym typeface="Courier New"/>
+              </a:rPr>
+              <a:t>len</a:t>
+            </a:r>
+            <a:r>
+              <a:rPr lang="en-US" sz="3000" i="0" u="none" strike="noStrike" cap="none" dirty="0">
+                <a:solidFill>
+                  <a:schemeClr val="lt1"/>
+                </a:solidFill>
+                <a:latin typeface="Courier"/>
+                <a:ea typeface="Courier"/>
+                <a:cs typeface="Courier"/>
+                <a:sym typeface="Courier New"/>
+              </a:rPr>
+              <a:t>(</a:t>
+            </a:r>
+            <a:r>
+              <a:rPr lang="el-GR" sz="3000" i="0" u="none" strike="noStrike" cap="none" dirty="0">
+                <a:solidFill>
                   <a:srgbClr val="00FF00"/>
                 </a:solidFill>
                 <a:latin typeface="Courier"/>
@@ -7310,7 +7370,7 @@
                 <a:cs typeface="Courier"/>
                 <a:sym typeface="Courier New"/>
               </a:rPr>
-              <a:t>index</a:t>
+              <a:t>φρούτο</a:t>
             </a:r>
             <a:r>
               <a:rPr lang="en-US" sz="3000" i="0" u="none" strike="noStrike" cap="none" dirty="0">
@@ -7322,55 +7382,7 @@
                 <a:cs typeface="Courier"/>
                 <a:sym typeface="Courier New"/>
               </a:rPr>
-              <a:t> &lt; </a:t>
-            </a:r>
-            <a:r>
-              <a:rPr lang="en-US" sz="3000" i="0" u="none" strike="noStrike" cap="none" dirty="0" err="1">
-                <a:solidFill>
-                  <a:srgbClr val="FF00FF"/>
-                </a:solidFill>
-                <a:latin typeface="Courier"/>
-                <a:ea typeface="Courier"/>
-                <a:cs typeface="Courier"/>
-                <a:sym typeface="Courier New"/>
-              </a:rPr>
-              <a:t>len</a:t>
-            </a:r>
-            <a:r>
-              <a:rPr lang="en-US" sz="3000" i="0" u="none" strike="noStrike" cap="none" dirty="0">
-                <a:solidFill>
-                  <a:schemeClr val="lt1"/>
-                </a:solidFill>
-                <a:latin typeface="Courier"/>
-                <a:ea typeface="Courier"/>
-                <a:cs typeface="Courier"/>
-                <a:sym typeface="Courier New"/>
-              </a:rPr>
-              <a:t>(</a:t>
-            </a:r>
-            <a:r>
-              <a:rPr lang="en-US" sz="3000" i="0" u="none" strike="noStrike" cap="none" dirty="0">
-                <a:solidFill>
-                  <a:srgbClr val="00FF00"/>
-                </a:solidFill>
-                <a:latin typeface="Courier"/>
-                <a:ea typeface="Courier"/>
-                <a:cs typeface="Courier"/>
-                <a:sym typeface="Courier New"/>
-              </a:rPr>
-              <a:t>fruit</a:t>
-            </a:r>
-            <a:r>
-              <a:rPr lang="en-US" sz="3000" i="0" u="none" strike="noStrike" cap="none" dirty="0">
-                <a:solidFill>
-                  <a:schemeClr val="lt1"/>
-                </a:solidFill>
-                <a:latin typeface="Courier"/>
-                <a:ea typeface="Courier"/>
-                <a:cs typeface="Courier"/>
-                <a:sym typeface="Courier New"/>
-              </a:rPr>
-              <a:t>) :</a:t>
+              <a:t>):</a:t>
             </a:r>
           </a:p>
           <a:p>
@@ -7404,8 +7416,32 @@
               <a:t>    </a:t>
             </a:r>
             <a:r>
+              <a:rPr lang="el-GR" sz="3000" i="0" u="none" strike="noStrike" cap="none" dirty="0">
+                <a:solidFill>
+                  <a:srgbClr val="00FF00"/>
+                </a:solidFill>
+                <a:latin typeface="Courier"/>
+                <a:ea typeface="Courier"/>
+                <a:cs typeface="Courier"/>
+                <a:sym typeface="Courier New"/>
+              </a:rPr>
+              <a:t>γράμμα</a:t>
+            </a:r>
+            <a:r>
               <a:rPr lang="en-US" sz="3000" i="0" u="none" strike="noStrike" cap="none" dirty="0">
                 <a:solidFill>
+                  <a:schemeClr val="lt1"/>
+                </a:solidFill>
+                <a:latin typeface="Courier"/>
+                <a:ea typeface="Courier"/>
+                <a:cs typeface="Courier"/>
+                <a:sym typeface="Courier New"/>
+              </a:rPr>
+              <a:t> = </a:t>
+            </a:r>
+            <a:r>
+              <a:rPr lang="el-GR" sz="3000" i="0" u="none" strike="noStrike" cap="none" dirty="0">
+                <a:solidFill>
                   <a:srgbClr val="00FF00"/>
                 </a:solidFill>
                 <a:latin typeface="Courier"/>
@@ -7413,22 +7449,22 @@
                 <a:cs typeface="Courier"/>
                 <a:sym typeface="Courier New"/>
               </a:rPr>
-              <a:t>letter</a:t>
+              <a:t>φρούτο</a:t>
             </a:r>
             <a:r>
               <a:rPr lang="en-US" sz="3000" i="0" u="none" strike="noStrike" cap="none" dirty="0">
                 <a:solidFill>
-                  <a:schemeClr val="lt1"/>
-                </a:solidFill>
-                <a:latin typeface="Courier"/>
-                <a:ea typeface="Courier"/>
-                <a:cs typeface="Courier"/>
-                <a:sym typeface="Courier New"/>
-              </a:rPr>
-              <a:t> = </a:t>
-            </a:r>
-            <a:r>
-              <a:rPr lang="en-US" sz="3000" i="0" u="none" strike="noStrike" cap="none" dirty="0">
+                  <a:srgbClr val="00FFFF"/>
+                </a:solidFill>
+                <a:latin typeface="Courier"/>
+                <a:ea typeface="Courier"/>
+                <a:cs typeface="Courier"/>
+                <a:sym typeface="Courier New"/>
+              </a:rPr>
+              <a:t>[</a:t>
+            </a:r>
+            <a:r>
+              <a:rPr lang="el-GR" sz="3000" i="0" u="none" strike="noStrike" cap="none" dirty="0">
                 <a:solidFill>
                   <a:srgbClr val="00FF00"/>
                 </a:solidFill>
@@ -7437,31 +7473,7 @@
                 <a:cs typeface="Courier"/>
                 <a:sym typeface="Courier New"/>
               </a:rPr>
-              <a:t>fruit</a:t>
-            </a:r>
-            <a:r>
-              <a:rPr lang="en-US" sz="3000" i="0" u="none" strike="noStrike" cap="none" dirty="0">
-                <a:solidFill>
-                  <a:srgbClr val="00FFFF"/>
-                </a:solidFill>
-                <a:latin typeface="Courier"/>
-                <a:ea typeface="Courier"/>
-                <a:cs typeface="Courier"/>
-                <a:sym typeface="Courier New"/>
-              </a:rPr>
-              <a:t>[</a:t>
-            </a:r>
-            <a:r>
-              <a:rPr lang="en-US" sz="3000" i="0" u="none" strike="noStrike" cap="none" dirty="0">
-                <a:solidFill>
-                  <a:srgbClr val="00FF00"/>
-                </a:solidFill>
-                <a:latin typeface="Courier"/>
-                <a:ea typeface="Courier"/>
-                <a:cs typeface="Courier"/>
-                <a:sym typeface="Courier New"/>
-              </a:rPr>
-              <a:t>index</a:t>
+              <a:t>δείκτης</a:t>
             </a:r>
             <a:r>
               <a:rPr lang="en-US" sz="3000" i="0" u="none" strike="noStrike" cap="none" dirty="0">
@@ -7531,7 +7543,7 @@
               <a:t>(</a:t>
             </a:r>
             <a:r>
-              <a:rPr lang="en-US" sz="3000" i="0" u="none" strike="noStrike" cap="none" dirty="0">
+              <a:rPr lang="el-GR" sz="3000" i="0" u="none" strike="noStrike" cap="none" dirty="0">
                 <a:solidFill>
                   <a:srgbClr val="00FF00"/>
                 </a:solidFill>
@@ -7540,7 +7552,7 @@
                 <a:cs typeface="Courier"/>
                 <a:sym typeface="Courier New"/>
               </a:rPr>
-              <a:t>letter</a:t>
+              <a:t>γράμμα</a:t>
             </a:r>
             <a:r>
               <a:rPr lang="en-US" sz="3000" i="0" u="none" strike="noStrike" cap="none" dirty="0">
@@ -7574,6 +7586,18 @@
               <a:buNone/>
             </a:pPr>
             <a:r>
+              <a:rPr lang="el-GR" sz="3000" i="0" u="none" strike="noStrike" cap="none" dirty="0">
+                <a:solidFill>
+                  <a:schemeClr val="lt1"/>
+                </a:solidFill>
+                <a:latin typeface="Courier"/>
+                <a:ea typeface="Courier"/>
+                <a:cs typeface="Courier"/>
+                <a:sym typeface="Courier New"/>
+              </a:rPr>
+              <a:t>   </a:t>
+            </a:r>
+            <a:r>
               <a:rPr lang="en-US" sz="3000" i="0" u="none" strike="noStrike" cap="none" dirty="0">
                 <a:solidFill>
                   <a:schemeClr val="lt1"/>
@@ -7583,11 +7607,35 @@
                 <a:cs typeface="Courier"/>
                 <a:sym typeface="Courier New"/>
               </a:rPr>
-              <a:t>    </a:t>
+              <a:t> </a:t>
+            </a:r>
+            <a:r>
+              <a:rPr lang="el-GR" sz="3000" i="0" u="none" strike="noStrike" cap="none" dirty="0">
+                <a:solidFill>
+                  <a:srgbClr val="00FF00"/>
+                </a:solidFill>
+                <a:latin typeface="Courier"/>
+                <a:ea typeface="Courier"/>
+                <a:cs typeface="Courier"/>
+                <a:sym typeface="Courier New"/>
+              </a:rPr>
+              <a:t>δείκτης</a:t>
             </a:r>
             <a:r>
               <a:rPr lang="en-US" sz="3000" i="0" u="none" strike="noStrike" cap="none" dirty="0">
                 <a:solidFill>
+                  <a:schemeClr val="lt1"/>
+                </a:solidFill>
+                <a:latin typeface="Courier"/>
+                <a:ea typeface="Courier"/>
+                <a:cs typeface="Courier"/>
+                <a:sym typeface="Courier New"/>
+              </a:rPr>
+              <a:t> = </a:t>
+            </a:r>
+            <a:r>
+              <a:rPr lang="el-GR" sz="3000" i="0" u="none" strike="noStrike" cap="none" dirty="0">
+                <a:solidFill>
                   <a:srgbClr val="00FF00"/>
                 </a:solidFill>
                 <a:latin typeface="Courier"/>
@@ -7595,31 +7643,7 @@
                 <a:cs typeface="Courier"/>
                 <a:sym typeface="Courier New"/>
               </a:rPr>
-              <a:t>index</a:t>
-            </a:r>
-            <a:r>
-              <a:rPr lang="en-US" sz="3000" i="0" u="none" strike="noStrike" cap="none" dirty="0">
-                <a:solidFill>
-                  <a:schemeClr val="lt1"/>
-                </a:solidFill>
-                <a:latin typeface="Courier"/>
-                <a:ea typeface="Courier"/>
-                <a:cs typeface="Courier"/>
-                <a:sym typeface="Courier New"/>
-              </a:rPr>
-              <a:t> = </a:t>
-            </a:r>
-            <a:r>
-              <a:rPr lang="en-US" sz="3000" i="0" u="none" strike="noStrike" cap="none" dirty="0">
-                <a:solidFill>
-                  <a:srgbClr val="00FF00"/>
-                </a:solidFill>
-                <a:latin typeface="Courier"/>
-                <a:ea typeface="Courier"/>
-                <a:cs typeface="Courier"/>
-                <a:sym typeface="Courier New"/>
-              </a:rPr>
-              <a:t>index</a:t>
+              <a:t>δείκτης</a:t>
             </a:r>
             <a:r>
               <a:rPr lang="en-US" sz="3000" i="0" u="none" strike="noStrike" cap="none" dirty="0">
@@ -7680,8 +7704,8 @@
         </p:nvSpPr>
         <p:spPr>
           <a:xfrm>
-            <a:off x="8058071" y="3424870"/>
-            <a:ext cx="5015700" cy="1663800"/>
+            <a:off x="8058070" y="3424870"/>
+            <a:ext cx="5279557" cy="1663800"/>
           </a:xfrm>
           <a:prstGeom prst="rect">
             <a:avLst/>
@@ -7715,6 +7739,18 @@
               <a:buNone/>
             </a:pPr>
             <a:r>
+              <a:rPr lang="el-GR" sz="3000" i="0" u="none" strike="noStrike" cap="none" dirty="0">
+                <a:solidFill>
+                  <a:schemeClr val="lt1"/>
+                </a:solidFill>
+                <a:latin typeface="Courier"/>
+                <a:ea typeface="Courier"/>
+                <a:cs typeface="Courier"/>
+                <a:sym typeface="Courier New"/>
+              </a:rPr>
+              <a:t>φρούτο</a:t>
+            </a:r>
+            <a:r>
               <a:rPr lang="en-US" sz="3000" i="0" u="none" strike="noStrike" cap="none" dirty="0">
                 <a:solidFill>
                   <a:schemeClr val="lt1"/>
@@ -7724,7 +7760,7 @@
                 <a:cs typeface="Courier"/>
                 <a:sym typeface="Courier New"/>
               </a:rPr>
-              <a:t>fruit = 'banana'</a:t>
+              <a:t> = 'banana'</a:t>
             </a:r>
           </a:p>
           <a:p>
@@ -7770,8 +7806,32 @@
               <a:t> </a:t>
             </a:r>
             <a:r>
+              <a:rPr lang="el-GR" sz="3000" i="0" u="none" strike="noStrike" cap="none" dirty="0">
+                <a:solidFill>
+                  <a:srgbClr val="00FF00"/>
+                </a:solidFill>
+                <a:latin typeface="Courier"/>
+                <a:ea typeface="Courier"/>
+                <a:cs typeface="Courier"/>
+                <a:sym typeface="Courier New"/>
+              </a:rPr>
+              <a:t>γράμμα</a:t>
+            </a:r>
+            <a:r>
               <a:rPr lang="en-US" sz="3000" i="0" u="none" strike="noStrike" cap="none" dirty="0">
                 <a:solidFill>
+                  <a:schemeClr val="lt1"/>
+                </a:solidFill>
+                <a:latin typeface="Courier"/>
+                <a:ea typeface="Courier"/>
+                <a:cs typeface="Courier"/>
+                <a:sym typeface="Courier New"/>
+              </a:rPr>
+              <a:t> in </a:t>
+            </a:r>
+            <a:r>
+              <a:rPr lang="el-GR" sz="3000" i="0" u="none" strike="noStrike" cap="none" dirty="0">
+                <a:solidFill>
                   <a:srgbClr val="00FF00"/>
                 </a:solidFill>
                 <a:latin typeface="Courier"/>
@@ -7779,31 +7839,7 @@
                 <a:cs typeface="Courier"/>
                 <a:sym typeface="Courier New"/>
               </a:rPr>
-              <a:t>letter</a:t>
-            </a:r>
-            <a:r>
-              <a:rPr lang="en-US" sz="3000" i="0" u="none" strike="noStrike" cap="none" dirty="0">
-                <a:solidFill>
-                  <a:schemeClr val="lt1"/>
-                </a:solidFill>
-                <a:latin typeface="Courier"/>
-                <a:ea typeface="Courier"/>
-                <a:cs typeface="Courier"/>
-                <a:sym typeface="Courier New"/>
-              </a:rPr>
-              <a:t> in </a:t>
-            </a:r>
-            <a:r>
-              <a:rPr lang="en-US" sz="3000" i="0" u="none" strike="noStrike" cap="none" dirty="0">
-                <a:solidFill>
-                  <a:srgbClr val="00FF00"/>
-                </a:solidFill>
-                <a:latin typeface="Courier"/>
-                <a:ea typeface="Courier"/>
-                <a:cs typeface="Courier"/>
-                <a:sym typeface="Courier New"/>
-              </a:rPr>
-              <a:t>fruit</a:t>
+              <a:t>φρούτο</a:t>
             </a:r>
             <a:r>
               <a:rPr lang="en-US" sz="3000" i="0" u="none" strike="noStrike" cap="none" dirty="0">
@@ -7873,7 +7909,7 @@
               <a:t>(</a:t>
             </a:r>
             <a:r>
-              <a:rPr lang="en-US" sz="3000" i="0" u="none" strike="noStrike" cap="none" dirty="0">
+              <a:rPr lang="el-GR" sz="3000" i="0" u="none" strike="noStrike" cap="none" dirty="0">
                 <a:solidFill>
                   <a:srgbClr val="00FF00"/>
                 </a:solidFill>
@@ -7882,7 +7918,7 @@
                 <a:cs typeface="Courier"/>
                 <a:sym typeface="Courier New"/>
               </a:rPr>
-              <a:t>letter</a:t>
+              <a:t>γράμμα</a:t>
             </a:r>
             <a:r>
               <a:rPr lang="en-US" sz="3000" i="0" u="none" strike="noStrike" cap="none" dirty="0">
@@ -8279,8 +8315,8 @@
         </p:nvSpPr>
         <p:spPr>
           <a:xfrm>
-            <a:off x="8753100" y="3468675"/>
-            <a:ext cx="6885000" cy="3324300"/>
+            <a:off x="8466083" y="3468675"/>
+            <a:ext cx="7172017" cy="3324300"/>
           </a:xfrm>
           <a:prstGeom prst="rect">
             <a:avLst/>
@@ -8314,32 +8350,32 @@
               <a:buNone/>
             </a:pPr>
             <a:r>
+              <a:rPr lang="el-GR" sz="3600" i="0" u="none" strike="noStrike" cap="none" dirty="0">
+                <a:solidFill>
+                  <a:srgbClr val="00FF00"/>
+                </a:solidFill>
+                <a:latin typeface="Courier"/>
+                <a:ea typeface="Courier"/>
+                <a:cs typeface="Courier"/>
+                <a:sym typeface="Courier New"/>
+              </a:rPr>
+              <a:t>λέξη</a:t>
+            </a:r>
+            <a:r>
               <a:rPr lang="en-US" sz="3600" i="0" u="none" strike="noStrike" cap="none" dirty="0">
                 <a:solidFill>
-                  <a:srgbClr val="00FF00"/>
-                </a:solidFill>
-                <a:latin typeface="Courier"/>
-                <a:ea typeface="Courier"/>
-                <a:cs typeface="Courier"/>
-                <a:sym typeface="Courier New"/>
-              </a:rPr>
-              <a:t>word</a:t>
+                  <a:schemeClr val="lt1"/>
+                </a:solidFill>
+                <a:latin typeface="Courier"/>
+                <a:ea typeface="Courier"/>
+                <a:cs typeface="Courier"/>
+                <a:sym typeface="Courier New"/>
+              </a:rPr>
+              <a:t> = </a:t>
             </a:r>
             <a:r>
               <a:rPr lang="en-US" sz="3600" i="0" u="none" strike="noStrike" cap="none" dirty="0">
                 <a:solidFill>
-                  <a:schemeClr val="lt1"/>
-                </a:solidFill>
-                <a:latin typeface="Courier"/>
-                <a:ea typeface="Courier"/>
-                <a:cs typeface="Courier"/>
-                <a:sym typeface="Courier New"/>
-              </a:rPr>
-              <a:t> = </a:t>
-            </a:r>
-            <a:r>
-              <a:rPr lang="en-US" sz="3600" i="0" u="none" strike="noStrike" cap="none" dirty="0">
-                <a:solidFill>
                   <a:srgbClr val="FF7F00"/>
                 </a:solidFill>
                 <a:latin typeface="Courier"/>
@@ -8347,7 +8383,7 @@
                 <a:cs typeface="Courier"/>
                 <a:sym typeface="Courier New"/>
               </a:rPr>
-              <a:t>'banana'</a:t>
+              <a:t>'banana’</a:t>
             </a:r>
           </a:p>
           <a:p>
@@ -8369,7 +8405,7 @@
               <a:buNone/>
             </a:pPr>
             <a:r>
-              <a:rPr lang="en-US" sz="3600" i="0" u="none" strike="noStrike" cap="none" dirty="0">
+              <a:rPr lang="el-GR" sz="3600" i="0" u="none" strike="noStrike" cap="none" dirty="0">
                 <a:solidFill>
                   <a:srgbClr val="00FF00"/>
                 </a:solidFill>
@@ -8378,7 +8414,7 @@
                 <a:cs typeface="Courier"/>
                 <a:sym typeface="Courier New"/>
               </a:rPr>
-              <a:t>count</a:t>
+              <a:t>πλήθος</a:t>
             </a:r>
             <a:r>
               <a:rPr lang="en-US" sz="3600" i="0" u="none" strike="noStrike" cap="none" dirty="0">
@@ -8445,11 +8481,35 @@
                 <a:cs typeface="Courier"/>
                 <a:sym typeface="Courier New"/>
               </a:rPr>
-              <a:t> letter </a:t>
+              <a:t> </a:t>
+            </a:r>
+            <a:r>
+              <a:rPr lang="el-GR" sz="3600" i="0" u="none" strike="noStrike" cap="none" dirty="0">
+                <a:solidFill>
+                  <a:srgbClr val="00FF00"/>
+                </a:solidFill>
+                <a:latin typeface="Courier"/>
+                <a:ea typeface="Courier"/>
+                <a:cs typeface="Courier"/>
+                <a:sym typeface="Courier New"/>
+              </a:rPr>
+              <a:t>γράμμα</a:t>
             </a:r>
             <a:r>
               <a:rPr lang="en-US" sz="3600" i="0" u="none" strike="noStrike" cap="none" dirty="0">
                 <a:solidFill>
+                  <a:srgbClr val="00FF00"/>
+                </a:solidFill>
+                <a:latin typeface="Courier"/>
+                <a:ea typeface="Courier"/>
+                <a:cs typeface="Courier"/>
+                <a:sym typeface="Courier New"/>
+              </a:rPr>
+              <a:t> </a:t>
+            </a:r>
+            <a:r>
+              <a:rPr lang="en-US" sz="3600" i="0" u="none" strike="noStrike" cap="none" dirty="0">
+                <a:solidFill>
                   <a:srgbClr val="FFFF00"/>
                 </a:solidFill>
                 <a:latin typeface="Courier"/>
@@ -8469,7 +8529,31 @@
                 <a:cs typeface="Courier"/>
                 <a:sym typeface="Courier New"/>
               </a:rPr>
-              <a:t> word </a:t>
+              <a:t> </a:t>
+            </a:r>
+            <a:r>
+              <a:rPr lang="el-GR" sz="3600" i="0" u="none" strike="noStrike" cap="none" dirty="0">
+                <a:solidFill>
+                  <a:srgbClr val="00FF00"/>
+                </a:solidFill>
+                <a:latin typeface="Courier"/>
+                <a:ea typeface="Courier"/>
+                <a:cs typeface="Courier"/>
+                <a:sym typeface="Courier New"/>
+              </a:rPr>
+              <a:t>λέξη</a:t>
+            </a:r>
+            <a:r>
+              <a:rPr lang="en-US" sz="3600" i="0" u="none" strike="noStrike" cap="none" dirty="0">
+                <a:solidFill>
+                  <a:srgbClr val="00FF00"/>
+                </a:solidFill>
+                <a:latin typeface="Courier"/>
+                <a:ea typeface="Courier"/>
+                <a:cs typeface="Courier"/>
+                <a:sym typeface="Courier New"/>
+              </a:rPr>
+              <a:t> </a:t>
             </a:r>
             <a:r>
               <a:rPr lang="en-US" sz="3600" i="0" u="none" strike="noStrike" cap="none" dirty="0">
@@ -8539,7 +8623,7 @@
               <a:t> </a:t>
             </a:r>
             <a:r>
-              <a:rPr lang="en-US" sz="3600" i="0" u="none" strike="noStrike" cap="none" dirty="0">
+              <a:rPr lang="el-GR" sz="3600" i="0" u="none" strike="noStrike" cap="none" dirty="0">
                 <a:solidFill>
                   <a:srgbClr val="00FF00"/>
                 </a:solidFill>
@@ -8548,7 +8632,7 @@
                 <a:cs typeface="Courier"/>
                 <a:sym typeface="Courier New"/>
               </a:rPr>
-              <a:t>letter</a:t>
+              <a:t>γράμμα</a:t>
             </a:r>
             <a:r>
               <a:rPr lang="en-US" sz="3600" i="0" u="none" strike="noStrike" cap="none" dirty="0">
@@ -8651,11 +8735,35 @@
                 <a:cs typeface="Courier"/>
                 <a:sym typeface="Courier New"/>
               </a:rPr>
-              <a:t>       count </a:t>
+              <a:t>       </a:t>
+            </a:r>
+            <a:r>
+              <a:rPr lang="el-GR" sz="3600" i="0" u="none" strike="noStrike" cap="none" dirty="0">
+                <a:solidFill>
+                  <a:srgbClr val="00FF00"/>
+                </a:solidFill>
+                <a:latin typeface="Courier"/>
+                <a:ea typeface="Courier"/>
+                <a:cs typeface="Courier"/>
+                <a:sym typeface="Courier New"/>
+              </a:rPr>
+              <a:t>πλήθος</a:t>
             </a:r>
             <a:r>
               <a:rPr lang="en-US" sz="3600" i="0" u="none" strike="noStrike" cap="none" dirty="0">
                 <a:solidFill>
+                  <a:srgbClr val="00FF00"/>
+                </a:solidFill>
+                <a:latin typeface="Courier"/>
+                <a:ea typeface="Courier"/>
+                <a:cs typeface="Courier"/>
+                <a:sym typeface="Courier New"/>
+              </a:rPr>
+              <a:t> </a:t>
+            </a:r>
+            <a:r>
+              <a:rPr lang="en-US" sz="3600" i="0" u="none" strike="noStrike" cap="none" dirty="0">
+                <a:solidFill>
                   <a:schemeClr val="lt1"/>
                 </a:solidFill>
                 <a:latin typeface="Courier"/>
@@ -8666,6 +8774,18 @@
               <a:t>= </a:t>
             </a:r>
             <a:r>
+              <a:rPr lang="el-GR" sz="3600" i="0" u="none" strike="noStrike" cap="none" dirty="0">
+                <a:solidFill>
+                  <a:srgbClr val="00FF00"/>
+                </a:solidFill>
+                <a:latin typeface="Courier"/>
+                <a:ea typeface="Courier"/>
+                <a:cs typeface="Courier"/>
+                <a:sym typeface="Courier New"/>
+              </a:rPr>
+              <a:t>πλήθος</a:t>
+            </a:r>
+            <a:r>
               <a:rPr lang="en-US" sz="3600" i="0" u="none" strike="noStrike" cap="none" dirty="0">
                 <a:solidFill>
                   <a:srgbClr val="00FF00"/>
@@ -8675,7 +8795,7 @@
                 <a:cs typeface="Courier"/>
                 <a:sym typeface="Courier New"/>
               </a:rPr>
-              <a:t>count </a:t>
+              <a:t> </a:t>
             </a:r>
             <a:r>
               <a:rPr lang="en-US" sz="3600" i="0" u="none" strike="noStrike" cap="none" dirty="0">
@@ -8757,7 +8877,7 @@
               <a:t>(</a:t>
             </a:r>
             <a:r>
-              <a:rPr lang="en-US" sz="3600" i="0" u="none" strike="noStrike" cap="none" dirty="0">
+              <a:rPr lang="el-GR" sz="3600" i="0" u="none" strike="noStrike" cap="none" dirty="0">
                 <a:solidFill>
                   <a:srgbClr val="00FF00"/>
                 </a:solidFill>
@@ -8766,7 +8886,7 @@
                 <a:cs typeface="Courier"/>
                 <a:sym typeface="Courier New"/>
               </a:rPr>
-              <a:t>count</a:t>
+              <a:t>πλήθος</a:t>
             </a:r>
             <a:r>
               <a:rPr lang="en-US" sz="3600" i="0" u="none" strike="noStrike" cap="none" dirty="0">
@@ -9410,7 +9530,7 @@
               <a:t> </a:t>
             </a:r>
             <a:r>
-              <a:rPr lang="en-US" sz="3600" i="0" u="none" strike="noStrike" cap="none" dirty="0">
+              <a:rPr lang="el-GR" sz="3600" i="0" u="none" strike="noStrike" cap="none" dirty="0">
                 <a:solidFill>
                   <a:srgbClr val="00FF00"/>
                 </a:solidFill>
@@ -9419,7 +9539,7 @@
                 <a:cs typeface="Courier"/>
                 <a:sym typeface="Courier New"/>
               </a:rPr>
-              <a:t>letter</a:t>
+              <a:t>γράμμα</a:t>
             </a:r>
             <a:r>
               <a:rPr lang="en-US" sz="3600" i="0" u="none" strike="noStrike" cap="none" dirty="0">
@@ -9534,7 +9654,31 @@
                 <a:cs typeface="Courier"/>
                 <a:sym typeface="Courier New"/>
               </a:rPr>
-              <a:t> print(letter)</a:t>
+              <a:t> print(</a:t>
+            </a:r>
+            <a:r>
+              <a:rPr lang="el-GR" sz="3600" i="0" u="none" strike="noStrike" cap="none" dirty="0">
+                <a:solidFill>
+                  <a:srgbClr val="FF00FF"/>
+                </a:solidFill>
+                <a:latin typeface="Courier"/>
+                <a:ea typeface="Courier"/>
+                <a:cs typeface="Courier"/>
+                <a:sym typeface="Courier New"/>
+              </a:rPr>
+              <a:t>γράμμα</a:t>
+            </a:r>
+            <a:r>
+              <a:rPr lang="en-US" sz="3600" i="0" u="none" strike="noStrike" cap="none" dirty="0">
+                <a:solidFill>
+                  <a:srgbClr val="FF00FF"/>
+                </a:solidFill>
+                <a:latin typeface="Courier"/>
+                <a:ea typeface="Courier"/>
+                <a:cs typeface="Courier"/>
+                <a:sym typeface="Courier New"/>
+              </a:rPr>
+              <a:t>)</a:t>
             </a:r>
           </a:p>
         </p:txBody>
@@ -9907,14 +10051,16 @@
         <p:nvCxnSpPr>
           <p:cNvPr id="345" name="Shape 345"/>
           <p:cNvCxnSpPr>
+            <a:cxnSpLocks/>
+            <a:stCxn id="347" idx="0"/>
             <a:endCxn id="354" idx="2"/>
           </p:cNvCxnSpPr>
           <p:nvPr/>
         </p:nvCxnSpPr>
         <p:spPr>
-          <a:xfrm flipH="1" flipV="1">
-            <a:off x="6686600" y="2768699"/>
-            <a:ext cx="14238" cy="587276"/>
+          <a:xfrm flipV="1">
+            <a:off x="6928849" y="2768699"/>
+            <a:ext cx="1" cy="533301"/>
           </a:xfrm>
           <a:prstGeom prst="straightConnector1">
             <a:avLst/>
@@ -9935,14 +10081,15 @@
         <p:nvCxnSpPr>
           <p:cNvPr id="346" name="Shape 346"/>
           <p:cNvCxnSpPr>
+            <a:cxnSpLocks/>
             <a:stCxn id="347" idx="2"/>
           </p:cNvCxnSpPr>
           <p:nvPr/>
         </p:nvCxnSpPr>
         <p:spPr>
-          <a:xfrm flipH="1">
-            <a:off x="6697549" y="4051399"/>
-            <a:ext cx="8100" cy="472800"/>
+          <a:xfrm>
+            <a:off x="6928849" y="4051399"/>
+            <a:ext cx="1" cy="472800"/>
           </a:xfrm>
           <a:prstGeom prst="straightConnector1">
             <a:avLst/>
@@ -9962,13 +10109,15 @@
       <p:cxnSp>
         <p:nvCxnSpPr>
           <p:cNvPr id="348" name="Shape 348"/>
-          <p:cNvCxnSpPr/>
+          <p:cNvCxnSpPr>
+            <a:cxnSpLocks/>
+          </p:cNvCxnSpPr>
           <p:nvPr/>
         </p:nvCxnSpPr>
         <p:spPr>
           <a:xfrm>
             <a:off x="3133200" y="4516675"/>
-            <a:ext cx="3596099" cy="4500"/>
+            <a:ext cx="3795649" cy="7524"/>
           </a:xfrm>
           <a:prstGeom prst="straightConnector1">
             <a:avLst/>
@@ -10163,8 +10312,8 @@
         </p:nvSpPr>
         <p:spPr>
           <a:xfrm>
-            <a:off x="5245100" y="3302000"/>
-            <a:ext cx="2921099" cy="749399"/>
+            <a:off x="5210150" y="3302000"/>
+            <a:ext cx="3437398" cy="749399"/>
           </a:xfrm>
           <a:prstGeom prst="rect">
             <a:avLst/>
@@ -10216,7 +10365,7 @@
               <a:t>print(</a:t>
             </a:r>
             <a:r>
-              <a:rPr lang="en-US" sz="3500" u="none" strike="noStrike" cap="none" dirty="0">
+              <a:rPr lang="el-GR" sz="3500" u="none" strike="noStrike" cap="none" dirty="0">
                 <a:solidFill>
                   <a:srgbClr val="00FF00"/>
                 </a:solidFill>
@@ -10225,7 +10374,7 @@
                 <a:cs typeface="Arial" charset="0"/>
                 <a:sym typeface="Cabin"/>
               </a:rPr>
-              <a:t>letter</a:t>
+              <a:t>γράμμα</a:t>
             </a:r>
             <a:r>
               <a:rPr lang="en-US" sz="3500" u="none" strike="noStrike" cap="none" dirty="0">
@@ -10251,7 +10400,7 @@
         <p:spPr>
           <a:xfrm>
             <a:off x="5130800" y="2019300"/>
-            <a:ext cx="3111599" cy="749399"/>
+            <a:ext cx="3596099" cy="749399"/>
           </a:xfrm>
           <a:prstGeom prst="rect">
             <a:avLst/>
@@ -10315,7 +10464,7 @@
               <a:t> </a:t>
             </a:r>
             <a:r>
-              <a:rPr lang="en-US" sz="3500" u="none" strike="noStrike" cap="none" dirty="0">
+              <a:rPr lang="el-GR" sz="3500" u="none" strike="noStrike" cap="none" dirty="0">
                 <a:solidFill>
                   <a:srgbClr val="00FF00"/>
                 </a:solidFill>
@@ -10324,8 +10473,17 @@
                 <a:cs typeface="Arial" charset="0"/>
                 <a:sym typeface="Cabin"/>
               </a:rPr>
-              <a:t>letter</a:t>
-            </a:r>
+              <a:t>γράμμα</a:t>
+            </a:r>
+            <a:endParaRPr lang="en-US" sz="3500" u="none" strike="noStrike" cap="none" dirty="0">
+              <a:solidFill>
+                <a:srgbClr val="00FF00"/>
+              </a:solidFill>
+              <a:latin typeface="Arial" charset="0"/>
+              <a:ea typeface="Arial" charset="0"/>
+              <a:cs typeface="Arial" charset="0"/>
+              <a:sym typeface="Cabin"/>
+            </a:endParaRPr>
           </a:p>
         </p:txBody>
       </p:sp>
@@ -10396,7 +10554,7 @@
               <a:t> </a:t>
             </a:r>
             <a:r>
-              <a:rPr lang="en-US" sz="3600" i="0" u="none" strike="noStrike" cap="none" dirty="0">
+              <a:rPr lang="el-GR" sz="3600" i="0" u="none" strike="noStrike" cap="none" dirty="0">
                 <a:solidFill>
                   <a:srgbClr val="00FF00"/>
                 </a:solidFill>
@@ -10405,7 +10563,7 @@
                 <a:cs typeface="Courier"/>
                 <a:sym typeface="Courier New"/>
               </a:rPr>
-              <a:t>letter</a:t>
+              <a:t>γράμμα</a:t>
             </a:r>
             <a:r>
               <a:rPr lang="en-US" sz="3600" i="0" u="none" strike="noStrike" cap="none" dirty="0">
@@ -10508,7 +10666,31 @@
                 <a:cs typeface="Courier"/>
                 <a:sym typeface="Courier New"/>
               </a:rPr>
-              <a:t>    print(letter)</a:t>
+              <a:t>    print(</a:t>
+            </a:r>
+            <a:r>
+              <a:rPr lang="el-GR" sz="3600" i="0" u="none" strike="noStrike" cap="none" dirty="0">
+                <a:solidFill>
+                  <a:srgbClr val="FF00FF"/>
+                </a:solidFill>
+                <a:latin typeface="Courier"/>
+                <a:ea typeface="Courier"/>
+                <a:cs typeface="Courier"/>
+                <a:sym typeface="Courier New"/>
+              </a:rPr>
+              <a:t>γράμμα</a:t>
+            </a:r>
+            <a:r>
+              <a:rPr lang="en-US" sz="3600" i="0" u="none" strike="noStrike" cap="none" dirty="0">
+                <a:solidFill>
+                  <a:srgbClr val="FF00FF"/>
+                </a:solidFill>
+                <a:latin typeface="Courier"/>
+                <a:ea typeface="Courier"/>
+                <a:cs typeface="Courier"/>
+                <a:sym typeface="Courier New"/>
+              </a:rPr>
+              <a:t>)</a:t>
             </a:r>
           </a:p>
         </p:txBody>
@@ -17067,7 +17249,7 @@
               <a:t>&gt;&gt;&gt; </a:t>
             </a:r>
             <a:r>
-              <a:rPr lang="en-US" sz="3000" i="0" u="none" strike="noStrike" cap="none" dirty="0">
+              <a:rPr lang="el-GR" sz="3000" i="0" u="none" strike="noStrike" cap="none" dirty="0">
                 <a:solidFill>
                   <a:srgbClr val="00FF00"/>
                 </a:solidFill>
@@ -17076,7 +17258,7 @@
                 <a:cs typeface="Courier"/>
                 <a:sym typeface="Courier New"/>
               </a:rPr>
-              <a:t>fruit</a:t>
+              <a:t>φρούτο</a:t>
             </a:r>
             <a:r>
               <a:rPr lang="en-US" sz="3000" i="0" u="none" strike="noStrike" cap="none" dirty="0">
@@ -17194,7 +17376,7 @@
               <a:t> </a:t>
             </a:r>
             <a:r>
-              <a:rPr lang="en-US" sz="3000" i="0" u="none" strike="noStrike" cap="none" dirty="0">
+              <a:rPr lang="el-GR" sz="3000" i="0" u="none" strike="noStrike" cap="none" dirty="0">
                 <a:solidFill>
                   <a:srgbClr val="00FF00"/>
                 </a:solidFill>
@@ -17203,8 +17385,17 @@
                 <a:cs typeface="Courier"/>
                 <a:sym typeface="Courier New"/>
               </a:rPr>
-              <a:t>fruit</a:t>
-            </a:r>
+              <a:t>φρούτο</a:t>
+            </a:r>
+            <a:endParaRPr lang="en-US" sz="3000" i="0" u="none" strike="noStrike" cap="none" dirty="0">
+              <a:solidFill>
+                <a:srgbClr val="00FF00"/>
+              </a:solidFill>
+              <a:latin typeface="Courier"/>
+              <a:ea typeface="Courier"/>
+              <a:cs typeface="Courier"/>
+              <a:sym typeface="Courier New"/>
+            </a:endParaRPr>
           </a:p>
           <a:p>
             <a:pPr marL="0" marR="0" lvl="0" indent="0" algn="l" rtl="0">
@@ -17316,7 +17507,7 @@
               <a:t> </a:t>
             </a:r>
             <a:r>
-              <a:rPr lang="en-US" sz="3000" i="0" u="none" strike="noStrike" cap="none" dirty="0">
+              <a:rPr lang="el-GR" sz="3000" i="0" u="none" strike="noStrike" cap="none" dirty="0">
                 <a:solidFill>
                   <a:srgbClr val="00FF00"/>
                 </a:solidFill>
@@ -17325,8 +17516,17 @@
                 <a:cs typeface="Courier"/>
                 <a:sym typeface="Courier New"/>
               </a:rPr>
-              <a:t>fruit</a:t>
-            </a:r>
+              <a:t>φρούτο</a:t>
+            </a:r>
+            <a:endParaRPr lang="en-US" sz="3000" i="0" u="none" strike="noStrike" cap="none" dirty="0">
+              <a:solidFill>
+                <a:srgbClr val="00FF00"/>
+              </a:solidFill>
+              <a:latin typeface="Courier"/>
+              <a:ea typeface="Courier"/>
+              <a:cs typeface="Courier"/>
+              <a:sym typeface="Courier New"/>
+            </a:endParaRPr>
           </a:p>
           <a:p>
             <a:pPr marL="0" marR="0" lvl="0" indent="0" algn="l" rtl="0">
@@ -17426,7 +17626,7 @@
               <a:t>in </a:t>
             </a:r>
             <a:r>
-              <a:rPr lang="en-US" sz="3000" i="0" u="none" strike="noStrike" cap="none" dirty="0">
+              <a:rPr lang="el-GR" sz="3000" i="0" u="none" strike="noStrike" cap="none" dirty="0">
                 <a:solidFill>
                   <a:srgbClr val="00FF00"/>
                 </a:solidFill>
@@ -17435,8 +17635,17 @@
                 <a:cs typeface="Courier"/>
                 <a:sym typeface="Courier New"/>
               </a:rPr>
-              <a:t>fruit</a:t>
-            </a:r>
+              <a:t>φρούτο</a:t>
+            </a:r>
+            <a:endParaRPr lang="en-US" sz="3000" i="0" u="none" strike="noStrike" cap="none" dirty="0">
+              <a:solidFill>
+                <a:srgbClr val="00FF00"/>
+              </a:solidFill>
+              <a:latin typeface="Courier"/>
+              <a:ea typeface="Courier"/>
+              <a:cs typeface="Courier"/>
+              <a:sym typeface="Courier New"/>
+            </a:endParaRPr>
           </a:p>
           <a:p>
             <a:pPr marL="0" marR="0" lvl="0" indent="0" algn="l" rtl="0">
@@ -17572,7 +17781,7 @@
               <a:t> </a:t>
             </a:r>
             <a:r>
-              <a:rPr lang="en-US" sz="3000" i="0" u="none" strike="noStrike" cap="none" dirty="0">
+              <a:rPr lang="el-GR" sz="3000" i="0" u="none" strike="noStrike" cap="none" dirty="0">
                 <a:solidFill>
                   <a:srgbClr val="00FF00"/>
                 </a:solidFill>
@@ -17581,7 +17790,7 @@
                 <a:cs typeface="Courier"/>
                 <a:sym typeface="Courier New"/>
               </a:rPr>
-              <a:t>fruit</a:t>
+              <a:t>φρούτο</a:t>
             </a:r>
             <a:r>
               <a:rPr lang="en-US" sz="3000" i="0" u="none" strike="noStrike" cap="none" dirty="0">
@@ -19366,7 +19575,7 @@
               <a:t> </a:t>
             </a:r>
             <a:r>
-              <a:rPr lang="en-US" sz="3400" i="0" u="none" strike="noStrike" cap="none" dirty="0">
+              <a:rPr lang="el-GR" sz="3400" i="0" u="none" strike="noStrike" cap="none" dirty="0">
                 <a:solidFill>
                   <a:srgbClr val="00FF00"/>
                 </a:solidFill>
@@ -19375,7 +19584,7 @@
                 <a:cs typeface="Courier"/>
                 <a:sym typeface="Courier New"/>
               </a:rPr>
-              <a:t>word</a:t>
+              <a:t>λέξη</a:t>
             </a:r>
             <a:r>
               <a:rPr lang="en-US" sz="3400" i="0" u="none" strike="noStrike" cap="none" dirty="0">
@@ -19514,7 +19723,7 @@
                 <a:cs typeface="Courier"/>
                 <a:sym typeface="Courier New"/>
               </a:rPr>
-              <a:t>Όλα ίδια</a:t>
+              <a:t>Όλο τα ίδια</a:t>
             </a:r>
             <a:r>
               <a:rPr lang="en-US" sz="3400" i="0" u="none" strike="noStrike" cap="none" dirty="0">
@@ -19526,7 +19735,7 @@
                 <a:cs typeface="Courier"/>
                 <a:sym typeface="Courier New"/>
               </a:rPr>
-              <a:t>, bananas.’</a:t>
+              <a:t>, bananas.'</a:t>
             </a:r>
             <a:r>
               <a:rPr lang="en-US" sz="3400" i="0" u="none" strike="noStrike" cap="none" dirty="0">
@@ -19621,7 +19830,7 @@
               <a:t> </a:t>
             </a:r>
             <a:r>
-              <a:rPr lang="en-US" sz="3400" i="0" u="none" strike="noStrike" cap="none" dirty="0">
+              <a:rPr lang="el-GR" sz="3400" i="0" u="none" strike="noStrike" cap="none" dirty="0">
                 <a:solidFill>
                   <a:srgbClr val="00FF00"/>
                 </a:solidFill>
@@ -19630,7 +19839,7 @@
                 <a:cs typeface="Courier"/>
                 <a:sym typeface="Courier New"/>
               </a:rPr>
-              <a:t>word</a:t>
+              <a:t>λέξη</a:t>
             </a:r>
             <a:r>
               <a:rPr lang="en-US" sz="3400" i="0" u="none" strike="noStrike" cap="none" dirty="0">
@@ -19820,7 +20029,7 @@
               <a:t> </a:t>
             </a:r>
             <a:r>
-              <a:rPr lang="en-US" sz="3400" i="0" u="none" strike="noStrike" cap="none" dirty="0">
+              <a:rPr lang="el-GR" sz="3400" i="0" u="none" strike="noStrike" cap="none" dirty="0">
                 <a:solidFill>
                   <a:srgbClr val="00FF00"/>
                 </a:solidFill>
@@ -19829,7 +20038,7 @@
                 <a:cs typeface="Courier"/>
                 <a:sym typeface="Courier New"/>
               </a:rPr>
-              <a:t>word</a:t>
+              <a:t>λέξη</a:t>
             </a:r>
             <a:r>
               <a:rPr lang="en-US" sz="3400" i="0" u="none" strike="noStrike" cap="none" dirty="0">
@@ -19971,7 +20180,7 @@
               <a:t> </a:t>
             </a:r>
             <a:r>
-              <a:rPr lang="en-US" sz="3400" i="0" u="none" strike="noStrike" cap="none" dirty="0">
+              <a:rPr lang="el-GR" sz="3400" i="0" u="none" strike="noStrike" cap="none" dirty="0">
                 <a:solidFill>
                   <a:srgbClr val="00FF00"/>
                 </a:solidFill>
@@ -19980,7 +20189,7 @@
                 <a:cs typeface="Courier"/>
                 <a:sym typeface="Courier New"/>
               </a:rPr>
-              <a:t>word</a:t>
+              <a:t>λέξη</a:t>
             </a:r>
             <a:r>
               <a:rPr lang="en-US" sz="3400" i="0" u="none" strike="noStrike" cap="none" dirty="0">
@@ -20170,7 +20379,7 @@
               <a:t> </a:t>
             </a:r>
             <a:r>
-              <a:rPr lang="en-US" sz="3400" i="0" u="none" strike="noStrike" cap="none" dirty="0">
+              <a:rPr lang="el-GR" sz="3400" i="0" u="none" strike="noStrike" cap="none" dirty="0">
                 <a:solidFill>
                   <a:srgbClr val="00FF00"/>
                 </a:solidFill>
@@ -20179,7 +20388,7 @@
                 <a:cs typeface="Courier"/>
                 <a:sym typeface="Courier New"/>
               </a:rPr>
-              <a:t>word</a:t>
+              <a:t>λέξη</a:t>
             </a:r>
             <a:r>
               <a:rPr lang="en-US" sz="3400" i="0" u="none" strike="noStrike" cap="none" dirty="0">
@@ -20397,7 +20606,7 @@
                 <a:cs typeface="Courier"/>
                 <a:sym typeface="Courier New"/>
               </a:rPr>
-              <a:t>Όλα ίδια</a:t>
+              <a:t>Όλο τα ίδια</a:t>
             </a:r>
             <a:r>
               <a:rPr lang="en-US" sz="3400" i="0" u="none" strike="noStrike" cap="none" dirty="0">
@@ -24797,8 +25006,8 @@
         </p:nvSpPr>
         <p:spPr>
           <a:xfrm>
-            <a:off x="9677400" y="3986200"/>
-            <a:ext cx="6246600" cy="3876599"/>
+            <a:off x="9427779" y="3986200"/>
+            <a:ext cx="6496221" cy="3876599"/>
           </a:xfrm>
           <a:prstGeom prst="rect">
             <a:avLst/>
@@ -24844,7 +25053,7 @@
               <a:t>&gt;&gt;&gt; </a:t>
             </a:r>
             <a:r>
-              <a:rPr lang="en-US" sz="3000" i="0" u="none" strike="noStrike" cap="none" dirty="0">
+              <a:rPr lang="el-GR" sz="3000" i="0" u="none" strike="noStrike" cap="none" dirty="0">
                 <a:solidFill>
                   <a:srgbClr val="00FF00"/>
                 </a:solidFill>
@@ -24853,7 +25062,7 @@
                 <a:cs typeface="Courier"/>
                 <a:sym typeface="Courier New"/>
               </a:rPr>
-              <a:t>fruit</a:t>
+              <a:t>φρούτο</a:t>
             </a:r>
             <a:r>
               <a:rPr lang="en-US" sz="3000" i="0" u="none" strike="noStrike" cap="none" dirty="0">
@@ -24923,7 +25132,7 @@
               <a:t>&gt;&gt;&gt; </a:t>
             </a:r>
             <a:r>
-              <a:rPr lang="en-US" sz="3000" i="0" u="none" strike="noStrike" cap="none" dirty="0" err="1">
+              <a:rPr lang="el-GR" sz="3000" i="0" u="none" strike="noStrike" cap="none" dirty="0">
                 <a:solidFill>
                   <a:srgbClr val="00FF00"/>
                 </a:solidFill>
@@ -24932,7 +25141,7 @@
                 <a:cs typeface="Courier"/>
                 <a:sym typeface="Courier New"/>
               </a:rPr>
-              <a:t>pos</a:t>
+              <a:t>θέση</a:t>
             </a:r>
             <a:r>
               <a:rPr lang="en-US" sz="3000" i="0" u="none" strike="noStrike" cap="none" dirty="0">
@@ -24971,7 +25180,7 @@
               <a:t> </a:t>
             </a:r>
             <a:r>
-              <a:rPr lang="en-US" sz="3000" i="0" u="none" strike="noStrike" cap="none" dirty="0" err="1">
+              <a:rPr lang="el-GR" sz="3000" i="0" u="none" strike="noStrike" cap="none" dirty="0">
                 <a:solidFill>
                   <a:srgbClr val="00FF00"/>
                 </a:solidFill>
@@ -24980,10 +25189,10 @@
                 <a:cs typeface="Courier"/>
                 <a:sym typeface="Courier New"/>
               </a:rPr>
-              <a:t>fruit</a:t>
-            </a:r>
-            <a:r>
-              <a:rPr lang="en-US" sz="3000" i="0" u="none" strike="noStrike" cap="none" dirty="0" err="1">
+              <a:t>φρούτο</a:t>
+            </a:r>
+            <a:r>
+              <a:rPr lang="en-US" sz="3000" i="0" u="none" strike="noStrike" cap="none" dirty="0">
                 <a:solidFill>
                   <a:srgbClr val="FF00FF"/>
                 </a:solidFill>
@@ -25110,7 +25319,7 @@
               <a:t>(</a:t>
             </a:r>
             <a:r>
-              <a:rPr lang="en-US" sz="3000" i="0" u="none" strike="noStrike" cap="none" dirty="0" err="1">
+              <a:rPr lang="el-GR" sz="3000" i="0" u="none" strike="noStrike" cap="none" dirty="0">
                 <a:solidFill>
                   <a:srgbClr val="00FF00"/>
                 </a:solidFill>
@@ -25119,7 +25328,7 @@
                 <a:cs typeface="Courier"/>
                 <a:sym typeface="Courier New"/>
               </a:rPr>
-              <a:t>pos</a:t>
+              <a:t>θέση</a:t>
             </a:r>
             <a:r>
               <a:rPr lang="en-US" sz="3000" i="0" u="none" strike="noStrike" cap="none" dirty="0">
@@ -25244,7 +25453,7 @@
               <a:t> </a:t>
             </a:r>
             <a:r>
-              <a:rPr lang="en-US" sz="3000" i="0" u="none" strike="noStrike" cap="none" dirty="0" err="1">
+              <a:rPr lang="el-GR" sz="3000" i="0" u="none" strike="noStrike" cap="none" dirty="0">
                 <a:solidFill>
                   <a:srgbClr val="00FF00"/>
                 </a:solidFill>
@@ -25253,10 +25462,10 @@
                 <a:cs typeface="Courier"/>
                 <a:sym typeface="Courier New"/>
               </a:rPr>
-              <a:t>fruit</a:t>
-            </a:r>
-            <a:r>
-              <a:rPr lang="en-US" sz="3000" i="0" u="none" strike="noStrike" cap="none" dirty="0" err="1">
+              <a:t>φρούτο</a:t>
+            </a:r>
+            <a:r>
+              <a:rPr lang="en-US" sz="3000" i="0" u="none" strike="noStrike" cap="none" dirty="0">
                 <a:solidFill>
                   <a:srgbClr val="FF00FF"/>
                 </a:solidFill>
@@ -28987,20 +29196,20 @@
               <a:t>&gt;&gt;&gt; </a:t>
             </a:r>
             <a:r>
+              <a:rPr lang="el-GR" sz="3600" i="0" u="none" strike="noStrike" cap="none" dirty="0">
+                <a:solidFill>
+                  <a:srgbClr val="00FF00"/>
+                </a:solidFill>
+                <a:latin typeface="Courier"/>
+                <a:ea typeface="Courier"/>
+                <a:cs typeface="Courier"/>
+                <a:sym typeface="Courier New"/>
+              </a:rPr>
+              <a:t>γραμμή</a:t>
+            </a:r>
+            <a:r>
               <a:rPr lang="en-US" sz="3600" i="0" u="none" strike="noStrike" cap="none" dirty="0">
                 <a:solidFill>
-                  <a:srgbClr val="00FF00"/>
-                </a:solidFill>
-                <a:latin typeface="Courier"/>
-                <a:ea typeface="Courier"/>
-                <a:cs typeface="Courier"/>
-                <a:sym typeface="Courier New"/>
-              </a:rPr>
-              <a:t>line</a:t>
-            </a:r>
-            <a:r>
-              <a:rPr lang="en-US" sz="3600" i="0" u="none" strike="noStrike" cap="none" dirty="0">
-                <a:solidFill>
                   <a:schemeClr val="lt1"/>
                 </a:solidFill>
                 <a:latin typeface="Courier"/>
@@ -29011,7 +29220,7 @@
               <a:t> = </a:t>
             </a:r>
             <a:r>
-              <a:rPr lang="en-US" sz="3600" i="0" u="none" strike="noStrike" cap="none" dirty="0">
+              <a:rPr lang="en-US" sz="3600" dirty="0">
                 <a:solidFill>
                   <a:srgbClr val="FF7F00"/>
                 </a:solidFill>
@@ -29020,7 +29229,19 @@
                 <a:cs typeface="Courier"/>
                 <a:sym typeface="Courier New"/>
               </a:rPr>
-              <a:t>'Please have a nice day</a:t>
+              <a:t>'</a:t>
+            </a:r>
+            <a:r>
+              <a:rPr lang="el-GR" sz="3600" i="0" u="none" strike="noStrike" cap="none" dirty="0">
+                <a:solidFill>
+                  <a:srgbClr val="FF7F00"/>
+                </a:solidFill>
+                <a:latin typeface="Courier"/>
+                <a:ea typeface="Courier"/>
+                <a:cs typeface="Courier"/>
+                <a:sym typeface="Courier New"/>
+              </a:rPr>
+              <a:t>Καλή σας μέρα</a:t>
             </a:r>
             <a:r>
               <a:rPr lang="en-US" sz="3600" dirty="0">
@@ -29066,20 +29287,32 @@
               <a:t>&gt;&gt;&gt; </a:t>
             </a:r>
             <a:r>
+              <a:rPr lang="el-GR" sz="3600" i="0" u="none" strike="noStrike" cap="none" dirty="0">
+                <a:solidFill>
+                  <a:srgbClr val="00FF00"/>
+                </a:solidFill>
+                <a:latin typeface="Courier"/>
+                <a:ea typeface="Courier"/>
+                <a:cs typeface="Courier"/>
+                <a:sym typeface="Courier New"/>
+              </a:rPr>
+              <a:t>γραμμή</a:t>
+            </a:r>
+            <a:r>
+              <a:rPr lang="en-US" sz="3600" i="0" u="none" strike="noStrike" cap="none" dirty="0">
+                <a:solidFill>
+                  <a:srgbClr val="FF00FF"/>
+                </a:solidFill>
+                <a:latin typeface="Courier"/>
+                <a:ea typeface="Courier"/>
+                <a:cs typeface="Courier"/>
+                <a:sym typeface="Courier New"/>
+              </a:rPr>
+              <a:t>.</a:t>
+            </a:r>
+            <a:r>
               <a:rPr lang="en-US" sz="3600" i="0" u="none" strike="noStrike" cap="none" dirty="0" err="1">
                 <a:solidFill>
-                  <a:srgbClr val="00FF00"/>
-                </a:solidFill>
-                <a:latin typeface="Courier"/>
-                <a:ea typeface="Courier"/>
-                <a:cs typeface="Courier"/>
-                <a:sym typeface="Courier New"/>
-              </a:rPr>
-              <a:t>line</a:t>
-            </a:r>
-            <a:r>
-              <a:rPr lang="en-US" sz="3600" i="0" u="none" strike="noStrike" cap="none" dirty="0" err="1">
-                <a:solidFill>
                   <a:srgbClr val="FF00FF"/>
                 </a:solidFill>
                 <a:latin typeface="Courier"/>
@@ -29087,7 +29320,7 @@
                 <a:cs typeface="Courier"/>
                 <a:sym typeface="Courier New"/>
               </a:rPr>
-              <a:t>.startswith</a:t>
+              <a:t>startswith</a:t>
             </a:r>
             <a:r>
               <a:rPr lang="en-US" sz="3600" i="0" u="none" strike="noStrike" cap="none" dirty="0">
@@ -29102,6 +29335,30 @@
               <a:t>(</a:t>
             </a:r>
             <a:r>
+              <a:rPr lang="en-US" sz="3600" dirty="0">
+                <a:solidFill>
+                  <a:srgbClr val="FF7F00"/>
+                </a:solidFill>
+                <a:latin typeface="Courier"/>
+                <a:ea typeface="Courier"/>
+                <a:cs typeface="Courier"/>
+                <a:sym typeface="Courier New"/>
+              </a:rPr>
+              <a:t>'</a:t>
+            </a:r>
+            <a:r>
+              <a:rPr lang="el-GR" sz="3600" i="0" u="none" strike="noStrike" cap="none" dirty="0">
+                <a:solidFill>
+                  <a:srgbClr val="FF7F00"/>
+                </a:solidFill>
+                <a:latin typeface="Courier"/>
+                <a:ea typeface="Courier"/>
+                <a:cs typeface="Courier"/>
+                <a:sym typeface="Courier New"/>
+              </a:rPr>
+              <a:t>Καλή</a:t>
+            </a:r>
+            <a:r>
               <a:rPr lang="en-US" sz="3600" i="0" u="none" strike="noStrike" cap="none" dirty="0">
                 <a:solidFill>
                   <a:srgbClr val="FF7F00"/>
@@ -29111,7 +29368,7 @@
                 <a:cs typeface="Courier"/>
                 <a:sym typeface="Courier New"/>
               </a:rPr>
-              <a:t>'Please'</a:t>
+              <a:t>'</a:t>
             </a:r>
             <a:r>
               <a:rPr lang="en-US" sz="3600" i="0" u="none" strike="noStrike" cap="none" dirty="0">
@@ -29188,20 +29445,32 @@
               <a:t>&gt;&gt;&gt; </a:t>
             </a:r>
             <a:r>
+              <a:rPr lang="el-GR" sz="3600" i="0" u="none" strike="noStrike" cap="none" dirty="0">
+                <a:solidFill>
+                  <a:srgbClr val="00FF00"/>
+                </a:solidFill>
+                <a:latin typeface="Courier"/>
+                <a:ea typeface="Courier"/>
+                <a:cs typeface="Courier"/>
+                <a:sym typeface="Courier New"/>
+              </a:rPr>
+              <a:t>γραμμή</a:t>
+            </a:r>
+            <a:r>
+              <a:rPr lang="en-US" sz="3600" i="0" u="none" strike="noStrike" cap="none" dirty="0">
+                <a:solidFill>
+                  <a:srgbClr val="FF00FF"/>
+                </a:solidFill>
+                <a:latin typeface="Courier"/>
+                <a:ea typeface="Courier"/>
+                <a:cs typeface="Courier"/>
+                <a:sym typeface="Courier New"/>
+              </a:rPr>
+              <a:t>.</a:t>
+            </a:r>
+            <a:r>
               <a:rPr lang="en-US" sz="3600" i="0" u="none" strike="noStrike" cap="none" dirty="0" err="1">
                 <a:solidFill>
-                  <a:srgbClr val="00FF00"/>
-                </a:solidFill>
-                <a:latin typeface="Courier"/>
-                <a:ea typeface="Courier"/>
-                <a:cs typeface="Courier"/>
-                <a:sym typeface="Courier New"/>
-              </a:rPr>
-              <a:t>line</a:t>
-            </a:r>
-            <a:r>
-              <a:rPr lang="en-US" sz="3600" i="0" u="none" strike="noStrike" cap="none" dirty="0" err="1">
-                <a:solidFill>
                   <a:srgbClr val="FF00FF"/>
                 </a:solidFill>
                 <a:latin typeface="Courier"/>
@@ -29209,7 +29478,7 @@
                 <a:cs typeface="Courier"/>
                 <a:sym typeface="Courier New"/>
               </a:rPr>
-              <a:t>.startswith</a:t>
+              <a:t>startswith</a:t>
             </a:r>
             <a:r>
               <a:rPr lang="en-US" sz="3600" i="0" u="none" strike="noStrike" cap="none" dirty="0">
@@ -29224,6 +29493,30 @@
               <a:t>(</a:t>
             </a:r>
             <a:r>
+              <a:rPr lang="en-US" sz="3600" dirty="0">
+                <a:solidFill>
+                  <a:srgbClr val="FF7F00"/>
+                </a:solidFill>
+                <a:latin typeface="Courier"/>
+                <a:ea typeface="Courier"/>
+                <a:cs typeface="Courier"/>
+                <a:sym typeface="Courier New"/>
+              </a:rPr>
+              <a:t>'</a:t>
+            </a:r>
+            <a:r>
+              <a:rPr lang="el-GR" sz="3600" i="0" u="none" strike="noStrike" cap="none" dirty="0">
+                <a:solidFill>
+                  <a:srgbClr val="FF7F00"/>
+                </a:solidFill>
+                <a:latin typeface="Courier"/>
+                <a:ea typeface="Courier"/>
+                <a:cs typeface="Courier"/>
+                <a:sym typeface="Courier New"/>
+              </a:rPr>
+              <a:t>ρ</a:t>
+            </a:r>
+            <a:r>
               <a:rPr lang="en-US" sz="3600" i="0" u="none" strike="noStrike" cap="none" dirty="0">
                 <a:solidFill>
                   <a:srgbClr val="FF7F00"/>
@@ -29233,7 +29526,7 @@
                 <a:cs typeface="Courier"/>
                 <a:sym typeface="Courier New"/>
               </a:rPr>
-              <a:t>'p'</a:t>
+              <a:t>'</a:t>
             </a:r>
             <a:r>
               <a:rPr lang="en-US" sz="3600" i="0" u="none" strike="noStrike" cap="none" dirty="0">
@@ -29693,7 +29986,7 @@
               <a:t>&gt;&gt;&gt; </a:t>
             </a:r>
             <a:r>
-              <a:rPr lang="en-US" sz="3000" i="0" u="none" strike="noStrike" cap="none" dirty="0">
+              <a:rPr lang="el-GR" sz="3000" i="0" u="none" strike="noStrike" cap="none" dirty="0">
                 <a:solidFill>
                   <a:srgbClr val="00FF00"/>
                 </a:solidFill>
@@ -29702,7 +29995,7 @@
                 <a:cs typeface="Courier"/>
                 <a:sym typeface="Courier New"/>
               </a:rPr>
-              <a:t>name</a:t>
+              <a:t>όνομα</a:t>
             </a:r>
             <a:r>
               <a:rPr lang="en-US" sz="3000" i="0" u="none" strike="noStrike" cap="none" dirty="0">
@@ -29923,7 +30216,7 @@
               <a:t>(</a:t>
             </a:r>
             <a:r>
-              <a:rPr lang="en-US" sz="3000" i="0" u="none" strike="noStrike" cap="none" dirty="0">
+              <a:rPr lang="el-GR" sz="3000" i="0" u="none" strike="noStrike" cap="none" dirty="0">
                 <a:solidFill>
                   <a:srgbClr val="FF7F00"/>
                 </a:solidFill>
@@ -29932,7 +30225,7 @@
                 <a:cs typeface="Courier"/>
                 <a:sym typeface="Courier New"/>
               </a:rPr>
-              <a:t>name</a:t>
+              <a:t>όνομα</a:t>
             </a:r>
             <a:r>
               <a:rPr lang="en-US" sz="3000" i="0" u="none" strike="noStrike" cap="none" dirty="0">
@@ -33726,6 +34019,39 @@
           </a:p>
         </p:txBody>
       </p:sp>
+      <p:pic>
+        <p:nvPicPr>
+          <p:cNvPr id="6" name="Shape 536">
+            <a:extLst>
+              <a:ext uri="{FF2B5EF4-FFF2-40B4-BE49-F238E27FC236}">
+                <a16:creationId xmlns:a16="http://schemas.microsoft.com/office/drawing/2014/main" id="{BE10AF01-D437-453D-BE38-BD03821DC145}"/>
+              </a:ext>
+            </a:extLst>
+          </p:cNvPr>
+          <p:cNvPicPr preferRelativeResize="0"/>
+          <p:nvPr/>
+        </p:nvPicPr>
+        <p:blipFill rotWithShape="1">
+          <a:blip r:embed="rId5">
+            <a:alphaModFix/>
+          </a:blip>
+          <a:srcRect/>
+          <a:stretch/>
+        </p:blipFill>
+        <p:spPr>
+          <a:xfrm>
+            <a:off x="643300" y="789709"/>
+            <a:ext cx="1024800" cy="1024800"/>
+          </a:xfrm>
+          <a:prstGeom prst="rect">
+            <a:avLst/>
+          </a:prstGeom>
+          <a:noFill/>
+          <a:ln>
+            <a:noFill/>
+          </a:ln>
+        </p:spPr>
+      </p:pic>
     </p:spTree>
   </p:cSld>
   <p:clrMapOvr>
@@ -34005,8 +34331,8 @@
         </p:nvSpPr>
         <p:spPr>
           <a:xfrm>
-            <a:off x="10867921" y="4517526"/>
-            <a:ext cx="4878899" cy="3788374"/>
+            <a:off x="10566401" y="4517526"/>
+            <a:ext cx="5180420" cy="3788374"/>
           </a:xfrm>
           <a:prstGeom prst="rect">
             <a:avLst/>
@@ -34052,7 +34378,7 @@
               <a:t>&gt;&gt;&gt; </a:t>
             </a:r>
             <a:r>
-              <a:rPr lang="en-US" sz="3000" i="0" u="none" strike="noStrike" cap="none" dirty="0">
+              <a:rPr lang="el-GR" sz="3000" i="0" u="none" strike="noStrike" cap="none" dirty="0">
                 <a:solidFill>
                   <a:srgbClr val="00FF00"/>
                 </a:solidFill>
@@ -34061,7 +34387,7 @@
                 <a:cs typeface="Courier"/>
                 <a:sym typeface="Courier New"/>
               </a:rPr>
-              <a:t>fruit</a:t>
+              <a:t>φρούτο</a:t>
             </a:r>
             <a:r>
               <a:rPr lang="en-US" sz="3000" i="0" u="none" strike="noStrike" cap="none" dirty="0">
@@ -34119,8 +34445,32 @@
               <a:t>&gt;&gt;&gt; </a:t>
             </a:r>
             <a:r>
+              <a:rPr lang="el-GR" sz="3000" i="0" u="none" strike="noStrike" cap="none" dirty="0">
+                <a:solidFill>
+                  <a:srgbClr val="00FF00"/>
+                </a:solidFill>
+                <a:latin typeface="Courier"/>
+                <a:ea typeface="Courier"/>
+                <a:cs typeface="Courier"/>
+                <a:sym typeface="Courier New"/>
+              </a:rPr>
+              <a:t>γράμμα</a:t>
+            </a:r>
+            <a:r>
               <a:rPr lang="en-US" sz="3000" i="0" u="none" strike="noStrike" cap="none" dirty="0">
                 <a:solidFill>
+                  <a:schemeClr val="lt1"/>
+                </a:solidFill>
+                <a:latin typeface="Courier"/>
+                <a:ea typeface="Courier"/>
+                <a:cs typeface="Courier"/>
+                <a:sym typeface="Courier New"/>
+              </a:rPr>
+              <a:t> = </a:t>
+            </a:r>
+            <a:r>
+              <a:rPr lang="el-GR" sz="3000" i="0" u="none" strike="noStrike" cap="none" dirty="0">
+                <a:solidFill>
                   <a:srgbClr val="00FF00"/>
                 </a:solidFill>
                 <a:latin typeface="Courier"/>
@@ -34128,31 +34478,7 @@
                 <a:cs typeface="Courier"/>
                 <a:sym typeface="Courier New"/>
               </a:rPr>
-              <a:t>letter</a:t>
-            </a:r>
-            <a:r>
-              <a:rPr lang="en-US" sz="3000" i="0" u="none" strike="noStrike" cap="none" dirty="0">
-                <a:solidFill>
-                  <a:schemeClr val="lt1"/>
-                </a:solidFill>
-                <a:latin typeface="Courier"/>
-                <a:ea typeface="Courier"/>
-                <a:cs typeface="Courier"/>
-                <a:sym typeface="Courier New"/>
-              </a:rPr>
-              <a:t> = </a:t>
-            </a:r>
-            <a:r>
-              <a:rPr lang="en-US" sz="3000" i="0" u="none" strike="noStrike" cap="none" dirty="0">
-                <a:solidFill>
-                  <a:srgbClr val="00FF00"/>
-                </a:solidFill>
-                <a:latin typeface="Courier"/>
-                <a:ea typeface="Courier"/>
-                <a:cs typeface="Courier"/>
-                <a:sym typeface="Courier New"/>
-              </a:rPr>
-              <a:t>fruit</a:t>
+              <a:t>φρούτο</a:t>
             </a:r>
             <a:r>
               <a:rPr lang="en-US" sz="3000" i="0" u="none" strike="noStrike" cap="none" dirty="0">
@@ -34246,7 +34572,7 @@
               <a:t>(</a:t>
             </a:r>
             <a:r>
-              <a:rPr lang="en-US" sz="3000" i="0" u="none" strike="noStrike" cap="none" dirty="0">
+              <a:rPr lang="el-GR" sz="3000" i="0" u="none" strike="noStrike" cap="none" dirty="0">
                 <a:solidFill>
                   <a:srgbClr val="00FF00"/>
                 </a:solidFill>
@@ -34255,7 +34581,7 @@
                 <a:cs typeface="Courier"/>
                 <a:sym typeface="Courier New"/>
               </a:rPr>
-              <a:t>letter</a:t>
+              <a:t>γράμμα</a:t>
             </a:r>
             <a:r>
               <a:rPr lang="en-US" sz="3000" i="0" u="none" strike="noStrike" cap="none" dirty="0">
@@ -34423,7 +34749,7 @@
               <a:t> = </a:t>
             </a:r>
             <a:r>
-              <a:rPr lang="en-US" sz="3000" i="0" u="none" strike="noStrike" cap="none" dirty="0">
+              <a:rPr lang="el-GR" sz="3000" i="0" u="none" strike="noStrike" cap="none" dirty="0">
                 <a:solidFill>
                   <a:srgbClr val="00FF00"/>
                 </a:solidFill>
@@ -34432,7 +34758,7 @@
                 <a:cs typeface="Courier"/>
                 <a:sym typeface="Courier New"/>
               </a:rPr>
-              <a:t>fruit</a:t>
+              <a:t>φρούτο</a:t>
             </a:r>
             <a:r>
               <a:rPr lang="en-US" sz="3000" i="0" u="none" strike="noStrike" cap="none" dirty="0">
@@ -36242,7 +36568,7 @@
         </p:nvSpPr>
         <p:spPr>
           <a:xfrm>
-            <a:off x="9947700" y="5551475"/>
+            <a:off x="9616624" y="5551475"/>
             <a:ext cx="6308099" cy="1660499"/>
           </a:xfrm>
           <a:prstGeom prst="rect">
@@ -36289,7 +36615,7 @@
               <a:t>&gt;&gt;&gt; </a:t>
             </a:r>
             <a:r>
-              <a:rPr lang="en-US" sz="3600" i="0" u="none" strike="noStrike" cap="none" dirty="0">
+              <a:rPr lang="el-GR" sz="3600" i="0" u="none" strike="noStrike" cap="none" dirty="0">
                 <a:solidFill>
                   <a:srgbClr val="00FF00"/>
                 </a:solidFill>
@@ -36298,7 +36624,7 @@
                 <a:cs typeface="Courier"/>
                 <a:sym typeface="Courier New"/>
               </a:rPr>
-              <a:t>fruit</a:t>
+              <a:t>φρούτο</a:t>
             </a:r>
             <a:r>
               <a:rPr lang="en-US" sz="3600" i="0" u="none" strike="noStrike" cap="none" dirty="0">
@@ -36404,7 +36730,7 @@
               <a:t>(</a:t>
             </a:r>
             <a:r>
-              <a:rPr lang="en-US" sz="3600" i="0" u="none" strike="noStrike" cap="none" dirty="0">
+              <a:rPr lang="el-GR" sz="3600" i="0" u="none" strike="noStrike" cap="none" dirty="0">
                 <a:solidFill>
                   <a:srgbClr val="00FF00"/>
                 </a:solidFill>
@@ -36413,7 +36739,7 @@
                 <a:cs typeface="Courier"/>
                 <a:sym typeface="Courier New"/>
               </a:rPr>
-              <a:t>fruit</a:t>
+              <a:t>φρούτο</a:t>
             </a:r>
             <a:r>
               <a:rPr lang="en-US" sz="3600" i="0" u="none" strike="noStrike" cap="none" dirty="0">
@@ -37292,8 +37618,8 @@
         </p:nvSpPr>
         <p:spPr>
           <a:xfrm>
-            <a:off x="1200150" y="2539900"/>
-            <a:ext cx="5645100" cy="2216099"/>
+            <a:off x="1200149" y="2539900"/>
+            <a:ext cx="5831271" cy="2216099"/>
           </a:xfrm>
           <a:prstGeom prst="rect">
             <a:avLst/>
@@ -37339,7 +37665,7 @@
               <a:t>&gt;&gt;&gt; </a:t>
             </a:r>
             <a:r>
-              <a:rPr lang="en-US" sz="3600" i="0" u="none" strike="noStrike" cap="none" dirty="0">
+              <a:rPr lang="el-GR" sz="3600" i="0" u="none" strike="noStrike" cap="none" dirty="0">
                 <a:solidFill>
                   <a:srgbClr val="00FF00"/>
                 </a:solidFill>
@@ -37348,7 +37674,7 @@
                 <a:cs typeface="Courier"/>
                 <a:sym typeface="Courier New"/>
               </a:rPr>
-              <a:t>fruit</a:t>
+              <a:t>φρούτο</a:t>
             </a:r>
             <a:r>
               <a:rPr lang="en-US" sz="3600" i="0" u="none" strike="noStrike" cap="none" dirty="0">
@@ -37478,7 +37804,7 @@
               <a:t>(</a:t>
             </a:r>
             <a:r>
-              <a:rPr lang="en-US" sz="3600" i="0" u="none" strike="noStrike" cap="none" dirty="0">
+              <a:rPr lang="el-GR" sz="3600" i="0" u="none" strike="noStrike" cap="none" dirty="0">
                 <a:solidFill>
                   <a:srgbClr val="00FF00"/>
                 </a:solidFill>
@@ -37487,7 +37813,7 @@
                 <a:cs typeface="Courier"/>
                 <a:sym typeface="Courier New"/>
               </a:rPr>
-              <a:t>fruit</a:t>
+              <a:t>φρούτο</a:t>
             </a:r>
             <a:r>
               <a:rPr lang="en-US" sz="3600" i="0" u="none" strike="noStrike" cap="none" dirty="0">
@@ -39180,7 +39506,7 @@
         <p:spPr>
           <a:xfrm>
             <a:off x="1200150" y="2539900"/>
-            <a:ext cx="5645100" cy="2216099"/>
+            <a:ext cx="5910098" cy="2216099"/>
           </a:xfrm>
           <a:prstGeom prst="rect">
             <a:avLst/>
@@ -39226,7 +39552,7 @@
               <a:t>&gt;&gt;&gt; </a:t>
             </a:r>
             <a:r>
-              <a:rPr lang="en-US" sz="3600" i="0" u="none" strike="noStrike" cap="none" dirty="0">
+              <a:rPr lang="el-GR" sz="3600" i="0" u="none" strike="noStrike" cap="none" dirty="0">
                 <a:solidFill>
                   <a:srgbClr val="00FF00"/>
                 </a:solidFill>
@@ -39235,7 +39561,7 @@
                 <a:cs typeface="Courier"/>
                 <a:sym typeface="Courier New"/>
               </a:rPr>
-              <a:t>fruit</a:t>
+              <a:t>φρούτο</a:t>
             </a:r>
             <a:r>
               <a:rPr lang="en-US" sz="3600" i="0" u="none" strike="noStrike" cap="none" dirty="0">
@@ -39365,7 +39691,7 @@
               <a:t>(</a:t>
             </a:r>
             <a:r>
-              <a:rPr lang="en-US" sz="3600" i="0" u="none" strike="noStrike" cap="none" dirty="0">
+              <a:rPr lang="el-GR" sz="3600" i="0" u="none" strike="noStrike" cap="none" dirty="0">
                 <a:solidFill>
                   <a:srgbClr val="00FF00"/>
                 </a:solidFill>
@@ -39374,7 +39700,7 @@
                 <a:cs typeface="Courier"/>
                 <a:sym typeface="Courier New"/>
               </a:rPr>
-              <a:t>fruit</a:t>
+              <a:t>φρούτο</a:t>
             </a:r>
             <a:r>
               <a:rPr lang="en-US" sz="3600" i="0" u="none" strike="noStrike" cap="none" dirty="0">
@@ -39842,8 +40168,8 @@
         </p:nvSpPr>
         <p:spPr>
           <a:xfrm>
-            <a:off x="8239813" y="3690900"/>
-            <a:ext cx="5945399" cy="3324300"/>
+            <a:off x="7760195" y="3690900"/>
+            <a:ext cx="6425018" cy="3324300"/>
           </a:xfrm>
           <a:prstGeom prst="rect">
             <a:avLst/>
@@ -39877,6 +40203,18 @@
               <a:buNone/>
             </a:pPr>
             <a:r>
+              <a:rPr lang="el-GR" sz="3000" i="0" u="none" strike="noStrike" cap="none" dirty="0">
+                <a:solidFill>
+                  <a:srgbClr val="00FF00"/>
+                </a:solidFill>
+                <a:latin typeface="Courier"/>
+                <a:ea typeface="Courier"/>
+                <a:cs typeface="Courier"/>
+                <a:sym typeface="Courier New"/>
+              </a:rPr>
+              <a:t>φρούτο</a:t>
+            </a:r>
+            <a:r>
               <a:rPr lang="en-US" sz="3000" i="0" u="none" strike="noStrike" cap="none" dirty="0">
                 <a:solidFill>
                   <a:srgbClr val="00FF00"/>
@@ -39886,7 +40224,7 @@
                 <a:cs typeface="Courier"/>
                 <a:sym typeface="Courier New"/>
               </a:rPr>
-              <a:t>fruit = 'banana'</a:t>
+              <a:t> = 'banana’</a:t>
             </a:r>
           </a:p>
           <a:p>
@@ -39908,7 +40246,7 @@
               <a:buNone/>
             </a:pPr>
             <a:r>
-              <a:rPr lang="en-US" sz="3000" i="0" u="none" strike="noStrike" cap="none" dirty="0">
+              <a:rPr lang="el-GR" sz="3000" i="0" u="none" strike="noStrike" cap="none" dirty="0">
                 <a:solidFill>
                   <a:srgbClr val="00FF00"/>
                 </a:solidFill>
@@ -39917,7 +40255,7 @@
                 <a:cs typeface="Courier"/>
                 <a:sym typeface="Courier New"/>
               </a:rPr>
-              <a:t>index</a:t>
+              <a:t>δείκτης</a:t>
             </a:r>
             <a:r>
               <a:rPr lang="en-US" sz="3000" i="0" u="none" strike="noStrike" cap="none" dirty="0">
@@ -39987,8 +40325,56 @@
               <a:t> </a:t>
             </a:r>
             <a:r>
+              <a:rPr lang="el-GR" sz="3000" i="0" u="none" strike="noStrike" cap="none" dirty="0">
+                <a:solidFill>
+                  <a:srgbClr val="00FF00"/>
+                </a:solidFill>
+                <a:latin typeface="Courier"/>
+                <a:ea typeface="Courier"/>
+                <a:cs typeface="Courier"/>
+                <a:sym typeface="Courier New"/>
+              </a:rPr>
+              <a:t>δείκτης</a:t>
+            </a:r>
+            <a:r>
               <a:rPr lang="en-US" sz="3000" i="0" u="none" strike="noStrike" cap="none" dirty="0">
                 <a:solidFill>
+                  <a:schemeClr val="lt1"/>
+                </a:solidFill>
+                <a:latin typeface="Courier"/>
+                <a:ea typeface="Courier"/>
+                <a:cs typeface="Courier"/>
+                <a:sym typeface="Courier New"/>
+              </a:rPr>
+              <a:t> &lt; </a:t>
+            </a:r>
+            <a:r>
+              <a:rPr lang="en-US" sz="3000" i="0" u="none" strike="noStrike" cap="none" dirty="0" err="1">
+                <a:solidFill>
+                  <a:srgbClr val="FF00FF"/>
+                </a:solidFill>
+                <a:latin typeface="Courier"/>
+                <a:ea typeface="Courier"/>
+                <a:cs typeface="Courier"/>
+                <a:sym typeface="Courier New"/>
+              </a:rPr>
+              <a:t>len</a:t>
+            </a:r>
+            <a:r>
+              <a:rPr lang="en-US" sz="3000" i="0" u="none" strike="noStrike" cap="none" dirty="0">
+                <a:solidFill>
+                  <a:schemeClr val="lt1"/>
+                </a:solidFill>
+                <a:latin typeface="Courier"/>
+                <a:ea typeface="Courier"/>
+                <a:cs typeface="Courier"/>
+                <a:sym typeface="Courier New"/>
+              </a:rPr>
+              <a:t>(</a:t>
+            </a:r>
+            <a:r>
+              <a:rPr lang="el-GR" sz="3000" i="0" u="none" strike="noStrike" cap="none" dirty="0">
+                <a:solidFill>
                   <a:srgbClr val="00FF00"/>
                 </a:solidFill>
                 <a:latin typeface="Courier"/>
@@ -39996,55 +40382,7 @@
                 <a:cs typeface="Courier"/>
                 <a:sym typeface="Courier New"/>
               </a:rPr>
-              <a:t>index</a:t>
-            </a:r>
-            <a:r>
-              <a:rPr lang="en-US" sz="3000" i="0" u="none" strike="noStrike" cap="none" dirty="0">
-                <a:solidFill>
-                  <a:schemeClr val="lt1"/>
-                </a:solidFill>
-                <a:latin typeface="Courier"/>
-                <a:ea typeface="Courier"/>
-                <a:cs typeface="Courier"/>
-                <a:sym typeface="Courier New"/>
-              </a:rPr>
-              <a:t> &lt; </a:t>
-            </a:r>
-            <a:r>
-              <a:rPr lang="en-US" sz="3000" i="0" u="none" strike="noStrike" cap="none" dirty="0" err="1">
-                <a:solidFill>
-                  <a:srgbClr val="FF00FF"/>
-                </a:solidFill>
-                <a:latin typeface="Courier"/>
-                <a:ea typeface="Courier"/>
-                <a:cs typeface="Courier"/>
-                <a:sym typeface="Courier New"/>
-              </a:rPr>
-              <a:t>len</a:t>
-            </a:r>
-            <a:r>
-              <a:rPr lang="en-US" sz="3000" i="0" u="none" strike="noStrike" cap="none" dirty="0">
-                <a:solidFill>
-                  <a:schemeClr val="lt1"/>
-                </a:solidFill>
-                <a:latin typeface="Courier"/>
-                <a:ea typeface="Courier"/>
-                <a:cs typeface="Courier"/>
-                <a:sym typeface="Courier New"/>
-              </a:rPr>
-              <a:t>(</a:t>
-            </a:r>
-            <a:r>
-              <a:rPr lang="en-US" sz="3000" i="0" u="none" strike="noStrike" cap="none" dirty="0">
-                <a:solidFill>
-                  <a:srgbClr val="00FF00"/>
-                </a:solidFill>
-                <a:latin typeface="Courier"/>
-                <a:ea typeface="Courier"/>
-                <a:cs typeface="Courier"/>
-                <a:sym typeface="Courier New"/>
-              </a:rPr>
-              <a:t>fruit</a:t>
+              <a:t>φρούτο</a:t>
             </a:r>
             <a:r>
               <a:rPr lang="en-US" sz="3000" i="0" u="none" strike="noStrike" cap="none" dirty="0">
@@ -40090,8 +40428,32 @@
               <a:t>    </a:t>
             </a:r>
             <a:r>
+              <a:rPr lang="el-GR" sz="3000" i="0" u="none" strike="noStrike" cap="none" dirty="0">
+                <a:solidFill>
+                  <a:srgbClr val="00FF00"/>
+                </a:solidFill>
+                <a:latin typeface="Courier"/>
+                <a:ea typeface="Courier"/>
+                <a:cs typeface="Courier"/>
+                <a:sym typeface="Courier New"/>
+              </a:rPr>
+              <a:t>γράμμα</a:t>
+            </a:r>
+            <a:r>
               <a:rPr lang="en-US" sz="3000" i="0" u="none" strike="noStrike" cap="none" dirty="0">
                 <a:solidFill>
+                  <a:schemeClr val="lt1"/>
+                </a:solidFill>
+                <a:latin typeface="Courier"/>
+                <a:ea typeface="Courier"/>
+                <a:cs typeface="Courier"/>
+                <a:sym typeface="Courier New"/>
+              </a:rPr>
+              <a:t> = </a:t>
+            </a:r>
+            <a:r>
+              <a:rPr lang="el-GR" sz="3000" i="0" u="none" strike="noStrike" cap="none" dirty="0">
+                <a:solidFill>
                   <a:srgbClr val="00FF00"/>
                 </a:solidFill>
                 <a:latin typeface="Courier"/>
@@ -40099,22 +40461,22 @@
                 <a:cs typeface="Courier"/>
                 <a:sym typeface="Courier New"/>
               </a:rPr>
-              <a:t>letter</a:t>
+              <a:t>φρούτο</a:t>
             </a:r>
             <a:r>
               <a:rPr lang="en-US" sz="3000" i="0" u="none" strike="noStrike" cap="none" dirty="0">
                 <a:solidFill>
-                  <a:schemeClr val="lt1"/>
-                </a:solidFill>
-                <a:latin typeface="Courier"/>
-                <a:ea typeface="Courier"/>
-                <a:cs typeface="Courier"/>
-                <a:sym typeface="Courier New"/>
-              </a:rPr>
-              <a:t> = </a:t>
-            </a:r>
-            <a:r>
-              <a:rPr lang="en-US" sz="3000" i="0" u="none" strike="noStrike" cap="none" dirty="0">
+                  <a:srgbClr val="00FFFF"/>
+                </a:solidFill>
+                <a:latin typeface="Courier"/>
+                <a:ea typeface="Courier"/>
+                <a:cs typeface="Courier"/>
+                <a:sym typeface="Courier New"/>
+              </a:rPr>
+              <a:t>[</a:t>
+            </a:r>
+            <a:r>
+              <a:rPr lang="el-GR" sz="3000" i="0" u="none" strike="noStrike" cap="none" dirty="0">
                 <a:solidFill>
                   <a:srgbClr val="00FF00"/>
                 </a:solidFill>
@@ -40123,31 +40485,7 @@
                 <a:cs typeface="Courier"/>
                 <a:sym typeface="Courier New"/>
               </a:rPr>
-              <a:t>fruit</a:t>
-            </a:r>
-            <a:r>
-              <a:rPr lang="en-US" sz="3000" i="0" u="none" strike="noStrike" cap="none" dirty="0">
-                <a:solidFill>
-                  <a:srgbClr val="00FFFF"/>
-                </a:solidFill>
-                <a:latin typeface="Courier"/>
-                <a:ea typeface="Courier"/>
-                <a:cs typeface="Courier"/>
-                <a:sym typeface="Courier New"/>
-              </a:rPr>
-              <a:t>[</a:t>
-            </a:r>
-            <a:r>
-              <a:rPr lang="en-US" sz="3000" i="0" u="none" strike="noStrike" cap="none" dirty="0">
-                <a:solidFill>
-                  <a:srgbClr val="00FF00"/>
-                </a:solidFill>
-                <a:latin typeface="Courier"/>
-                <a:ea typeface="Courier"/>
-                <a:cs typeface="Courier"/>
-                <a:sym typeface="Courier New"/>
-              </a:rPr>
-              <a:t>index</a:t>
+              <a:t>δείκτης</a:t>
             </a:r>
             <a:r>
               <a:rPr lang="en-US" sz="3000" i="0" u="none" strike="noStrike" cap="none" dirty="0">
@@ -40217,6 +40555,18 @@
               <a:t>(</a:t>
             </a:r>
             <a:r>
+              <a:rPr lang="el-GR" sz="3000" i="0" u="none" strike="noStrike" cap="none" dirty="0">
+                <a:solidFill>
+                  <a:schemeClr val="lt1"/>
+                </a:solidFill>
+                <a:latin typeface="Courier"/>
+                <a:ea typeface="Courier"/>
+                <a:cs typeface="Courier"/>
+                <a:sym typeface="Courier New"/>
+              </a:rPr>
+              <a:t>δείκτης</a:t>
+            </a:r>
+            <a:r>
               <a:rPr lang="en-US" sz="3000" i="0" u="none" strike="noStrike" cap="none" dirty="0">
                 <a:solidFill>
                   <a:schemeClr val="lt1"/>
@@ -40226,10 +40576,10 @@
                 <a:cs typeface="Courier"/>
                 <a:sym typeface="Courier New"/>
               </a:rPr>
-              <a:t>index, </a:t>
-            </a:r>
-            <a:r>
-              <a:rPr lang="en-US" sz="3000" i="0" u="none" strike="noStrike" cap="none" dirty="0">
+              <a:t>, </a:t>
+            </a:r>
+            <a:r>
+              <a:rPr lang="el-GR" sz="3000" i="0" u="none" strike="noStrike" cap="none" dirty="0">
                 <a:solidFill>
                   <a:srgbClr val="00FF00"/>
                 </a:solidFill>
@@ -40238,7 +40588,7 @@
                 <a:cs typeface="Courier"/>
                 <a:sym typeface="Courier New"/>
               </a:rPr>
-              <a:t>letter</a:t>
+              <a:t>γράμμα</a:t>
             </a:r>
             <a:r>
               <a:rPr lang="en-US" sz="3000" i="0" u="none" strike="noStrike" cap="none" dirty="0">
@@ -40281,11 +40631,47 @@
                 <a:cs typeface="Courier"/>
                 <a:sym typeface="Courier New"/>
               </a:rPr>
-              <a:t>    </a:t>
+              <a:t> </a:t>
+            </a:r>
+            <a:r>
+              <a:rPr lang="el-GR" sz="3000" i="0" u="none" strike="noStrike" cap="none" dirty="0">
+                <a:solidFill>
+                  <a:schemeClr val="lt1"/>
+                </a:solidFill>
+                <a:latin typeface="Courier"/>
+                <a:ea typeface="Courier"/>
+                <a:cs typeface="Courier"/>
+                <a:sym typeface="Courier New"/>
+              </a:rPr>
+              <a:t>   </a:t>
+            </a:r>
+            <a:r>
+              <a:rPr lang="el-GR" sz="3000" i="0" u="none" strike="noStrike" cap="none" dirty="0">
+                <a:solidFill>
+                  <a:srgbClr val="00FF00"/>
+                </a:solidFill>
+                <a:latin typeface="Courier"/>
+                <a:ea typeface="Courier"/>
+                <a:cs typeface="Courier"/>
+                <a:sym typeface="Courier New"/>
+              </a:rPr>
+              <a:t>δείκτης</a:t>
             </a:r>
             <a:r>
               <a:rPr lang="en-US" sz="3000" i="0" u="none" strike="noStrike" cap="none" dirty="0">
                 <a:solidFill>
+                  <a:schemeClr val="lt1"/>
+                </a:solidFill>
+                <a:latin typeface="Courier"/>
+                <a:ea typeface="Courier"/>
+                <a:cs typeface="Courier"/>
+                <a:sym typeface="Courier New"/>
+              </a:rPr>
+              <a:t> = </a:t>
+            </a:r>
+            <a:r>
+              <a:rPr lang="el-GR" sz="3000" i="0" u="none" strike="noStrike" cap="none" dirty="0">
+                <a:solidFill>
                   <a:srgbClr val="00FF00"/>
                 </a:solidFill>
                 <a:latin typeface="Courier"/>
@@ -40293,31 +40679,7 @@
                 <a:cs typeface="Courier"/>
                 <a:sym typeface="Courier New"/>
               </a:rPr>
-              <a:t>index</a:t>
-            </a:r>
-            <a:r>
-              <a:rPr lang="en-US" sz="3000" i="0" u="none" strike="noStrike" cap="none" dirty="0">
-                <a:solidFill>
-                  <a:schemeClr val="lt1"/>
-                </a:solidFill>
-                <a:latin typeface="Courier"/>
-                <a:ea typeface="Courier"/>
-                <a:cs typeface="Courier"/>
-                <a:sym typeface="Courier New"/>
-              </a:rPr>
-              <a:t> = </a:t>
-            </a:r>
-            <a:r>
-              <a:rPr lang="en-US" sz="3000" i="0" u="none" strike="noStrike" cap="none" dirty="0">
-                <a:solidFill>
-                  <a:srgbClr val="00FF00"/>
-                </a:solidFill>
-                <a:latin typeface="Courier"/>
-                <a:ea typeface="Courier"/>
-                <a:cs typeface="Courier"/>
-                <a:sym typeface="Courier New"/>
-              </a:rPr>
-              <a:t>index</a:t>
+              <a:t>δείκτης</a:t>
             </a:r>
             <a:r>
               <a:rPr lang="en-US" sz="3000" i="0" u="none" strike="noStrike" cap="none" dirty="0">

--- a/lectures3/gr/Pythonlearn-06-Strings.pptx
+++ b/lectures3/gr/Pythonlearn-06-Strings.pptx
@@ -580,28 +580,44 @@
               <a:buNone/>
             </a:pPr>
             <a:r>
+              <a:rPr lang="el-GR" dirty="0">
+                <a:solidFill>
+                  <a:schemeClr val="dk2"/>
+                </a:solidFill>
+              </a:rPr>
+              <a:t>Σημείωση από τον </a:t>
+            </a:r>
+            <a:r>
               <a:rPr lang="en-US" dirty="0">
                 <a:solidFill>
                   <a:schemeClr val="dk2"/>
                 </a:solidFill>
               </a:rPr>
-              <a:t>Note from Chuck.  </a:t>
-            </a:r>
-            <a:r>
-              <a:rPr lang="en-US">
+              <a:t> Chuck</a:t>
+            </a:r>
+            <a:r>
+              <a:rPr lang="el-GR" dirty="0">
                 <a:solidFill>
                   <a:schemeClr val="dk2"/>
                 </a:solidFill>
               </a:rPr>
-              <a:t>If you are using these materials, you can remove the UM logo and replace it with your own, but please retain the CC-BY logo on the first page as well as retain the acknowledgement page(s)</a:t>
-            </a:r>
-            <a:r>
-              <a:rPr lang="en-US" baseline="0">
+              <a:t>. Εάν χρησιμοποιείτε αυτό το υλικό, μπορείτε να αφαιρέσετε το λογότυπο UM και να το αντικαταστήσετε με το δικό σας, αλλά διατηρήστε το λογότυπο CC-BY στην πρώτη σελίδα καθώς την/τις σελίδα/</a:t>
+            </a:r>
+            <a:r>
+              <a:rPr lang="el-GR" dirty="0" err="1">
                 <a:solidFill>
                   <a:schemeClr val="dk2"/>
                 </a:solidFill>
               </a:rPr>
-              <a:t> at the end.</a:t>
+              <a:t>ες</a:t>
+            </a:r>
+            <a:r>
+              <a:rPr lang="el-GR">
+                <a:solidFill>
+                  <a:schemeClr val="dk2"/>
+                </a:solidFill>
+              </a:rPr>
+              <a:t> αναγνώρισης.</a:t>
             </a:r>
             <a:endParaRPr lang="en-US" dirty="0">
               <a:solidFill>

--- a/lectures3/gr/Pythonlearn-06-Strings.pptx
+++ b/lectures3/gr/Pythonlearn-06-Strings.pptx
@@ -11573,6 +11573,18 @@
               <a:buNone/>
             </a:pPr>
             <a:r>
+              <a:rPr lang="el-GR" sz="6000" dirty="0" err="1">
+                <a:solidFill>
+                  <a:srgbClr val="FFD966"/>
+                </a:solidFill>
+                <a:latin typeface="Arial" charset="0"/>
+                <a:ea typeface="Arial" charset="0"/>
+                <a:cs typeface="Arial" charset="0"/>
+                <a:sym typeface="Cabin"/>
+              </a:rPr>
+              <a:t>Διαμέριση</a:t>
+            </a:r>
+            <a:r>
               <a:rPr lang="el-GR" sz="6000" dirty="0">
                 <a:solidFill>
                   <a:srgbClr val="FFD966"/>
@@ -11582,7 +11594,7 @@
                 <a:cs typeface="Arial" charset="0"/>
                 <a:sym typeface="Cabin"/>
               </a:rPr>
-              <a:t>Τεμαχισμός Συμβολοσειράς</a:t>
+              <a:t> Συμβολοσειράς</a:t>
             </a:r>
             <a:endParaRPr lang="en-US" sz="6000" u="none" strike="noStrike" cap="none" dirty="0">
               <a:solidFill>
@@ -17004,8 +17016,8 @@
         </p:nvSpPr>
         <p:spPr>
           <a:xfrm>
-            <a:off x="1155700" y="2603500"/>
-            <a:ext cx="6659563" cy="5702399"/>
+            <a:off x="1155699" y="2921548"/>
+            <a:ext cx="7246179" cy="5702399"/>
           </a:xfrm>
           <a:prstGeom prst="rect">
             <a:avLst/>
@@ -17072,7 +17084,7 @@
                 <a:cs typeface="Arial" charset="0"/>
                 <a:sym typeface="Cabin"/>
               </a:rPr>
-              <a:t> μπορεί επίσης να χρησιμοποιηθεί για να ελέγξει εάν μια συμβολοσειρά είναι «μέσα» μια άλλη συμβολοσειρά</a:t>
+              <a:t> μπορεί επίσης να χρησιμοποιηθεί για να ελέγξει εάν μια συμβολοσειρά αποτελεί τμήμα μιας άλλης συμβολοσειράς</a:t>
             </a:r>
             <a:endParaRPr lang="en-US" sz="3600" u="none" strike="noStrike" cap="none" dirty="0">
               <a:solidFill>
